--- a/hw02.pptx
+++ b/hw02.pptx
@@ -4,8 +4,21 @@
   <p:sldMasterIdLst>
     <p:sldMasterId id="2147483648" r:id="rId1"/>
   </p:sldMasterIdLst>
+  <p:notesMasterIdLst>
+    <p:notesMasterId r:id="rId13"/>
+  </p:notesMasterIdLst>
   <p:sldIdLst>
     <p:sldId id="256" r:id="rId2"/>
+    <p:sldId id="257" r:id="rId3"/>
+    <p:sldId id="258" r:id="rId4"/>
+    <p:sldId id="264" r:id="rId5"/>
+    <p:sldId id="259" r:id="rId6"/>
+    <p:sldId id="265" r:id="rId7"/>
+    <p:sldId id="266" r:id="rId8"/>
+    <p:sldId id="260" r:id="rId9"/>
+    <p:sldId id="261" r:id="rId10"/>
+    <p:sldId id="262" r:id="rId11"/>
+    <p:sldId id="263" r:id="rId12"/>
   </p:sldIdLst>
   <p:sldSz cx="12192000" cy="6858000"/>
   <p:notesSz cx="6858000" cy="9144000"/>
@@ -104,7 +117,1331 @@
       </a:defRPr>
     </a:lvl9pPr>
   </p:defaultTextStyle>
+  <p:extLst>
+    <p:ext uri="{EFAFB233-063F-42B5-8137-9DF3F51BA10A}">
+      <p15:sldGuideLst xmlns:p15="http://schemas.microsoft.com/office/powerpoint/2012/main"/>
+    </p:ext>
+  </p:extLst>
 </p:presentation>
+</file>
+
+<file path=ppt/notesMasters/notesMaster1.xml><?xml version="1.0" encoding="utf-8"?>
+<p:notesMaster xmlns:a="http://schemas.openxmlformats.org/drawingml/2006/main" xmlns:r="http://schemas.openxmlformats.org/officeDocument/2006/relationships" xmlns:p="http://schemas.openxmlformats.org/presentationml/2006/main">
+  <p:cSld>
+    <p:bg>
+      <p:bgRef idx="1001">
+        <a:schemeClr val="bg1"/>
+      </p:bgRef>
+    </p:bg>
+    <p:spTree>
+      <p:nvGrpSpPr>
+        <p:cNvPr id="1" name=""/>
+        <p:cNvGrpSpPr/>
+        <p:nvPr/>
+      </p:nvGrpSpPr>
+      <p:grpSpPr>
+        <a:xfrm>
+          <a:off x="0" y="0"/>
+          <a:ext cx="0" cy="0"/>
+          <a:chOff x="0" y="0"/>
+          <a:chExt cx="0" cy="0"/>
+        </a:xfrm>
+      </p:grpSpPr>
+      <p:sp>
+        <p:nvSpPr>
+          <p:cNvPr id="2" name="頁首版面配置區 1"/>
+          <p:cNvSpPr>
+            <a:spLocks noGrp="1"/>
+          </p:cNvSpPr>
+          <p:nvPr>
+            <p:ph type="hdr" sz="quarter"/>
+          </p:nvPr>
+        </p:nvSpPr>
+        <p:spPr>
+          <a:xfrm>
+            <a:off x="0" y="0"/>
+            <a:ext cx="2971800" cy="458788"/>
+          </a:xfrm>
+          <a:prstGeom prst="rect">
+            <a:avLst/>
+          </a:prstGeom>
+        </p:spPr>
+        <p:txBody>
+          <a:bodyPr vert="horz" lIns="91440" tIns="45720" rIns="91440" bIns="45720" rtlCol="0"/>
+          <a:lstStyle>
+            <a:lvl1pPr algn="l">
+              <a:defRPr sz="1200"/>
+            </a:lvl1pPr>
+          </a:lstStyle>
+          <a:p>
+            <a:endParaRPr lang="zh-TW" altLang="en-US"/>
+          </a:p>
+        </p:txBody>
+      </p:sp>
+      <p:sp>
+        <p:nvSpPr>
+          <p:cNvPr id="3" name="日期版面配置區 2"/>
+          <p:cNvSpPr>
+            <a:spLocks noGrp="1"/>
+          </p:cNvSpPr>
+          <p:nvPr>
+            <p:ph type="dt" idx="1"/>
+          </p:nvPr>
+        </p:nvSpPr>
+        <p:spPr>
+          <a:xfrm>
+            <a:off x="3884613" y="0"/>
+            <a:ext cx="2971800" cy="458788"/>
+          </a:xfrm>
+          <a:prstGeom prst="rect">
+            <a:avLst/>
+          </a:prstGeom>
+        </p:spPr>
+        <p:txBody>
+          <a:bodyPr vert="horz" lIns="91440" tIns="45720" rIns="91440" bIns="45720" rtlCol="0"/>
+          <a:lstStyle>
+            <a:lvl1pPr algn="r">
+              <a:defRPr sz="1200"/>
+            </a:lvl1pPr>
+          </a:lstStyle>
+          <a:p>
+            <a:fld id="{A58438F2-02E6-4330-82DA-716773FBDD56}" type="datetimeFigureOut">
+              <a:rPr lang="zh-TW" altLang="en-US" smtClean="0"/>
+              <a:t>2024/10/21</a:t>
+            </a:fld>
+            <a:endParaRPr lang="zh-TW" altLang="en-US"/>
+          </a:p>
+        </p:txBody>
+      </p:sp>
+      <p:sp>
+        <p:nvSpPr>
+          <p:cNvPr id="4" name="投影片影像版面配置區 3"/>
+          <p:cNvSpPr>
+            <a:spLocks noGrp="1" noRot="1" noChangeAspect="1"/>
+          </p:cNvSpPr>
+          <p:nvPr>
+            <p:ph type="sldImg" idx="2"/>
+          </p:nvPr>
+        </p:nvSpPr>
+        <p:spPr>
+          <a:xfrm>
+            <a:off x="685800" y="1143000"/>
+            <a:ext cx="5486400" cy="3086100"/>
+          </a:xfrm>
+          <a:prstGeom prst="rect">
+            <a:avLst/>
+          </a:prstGeom>
+          <a:noFill/>
+          <a:ln w="12700">
+            <a:solidFill>
+              <a:prstClr val="black"/>
+            </a:solidFill>
+          </a:ln>
+        </p:spPr>
+        <p:txBody>
+          <a:bodyPr vert="horz" lIns="91440" tIns="45720" rIns="91440" bIns="45720" rtlCol="0" anchor="ctr"/>
+          <a:lstStyle/>
+          <a:p>
+            <a:endParaRPr lang="zh-TW" altLang="en-US"/>
+          </a:p>
+        </p:txBody>
+      </p:sp>
+      <p:sp>
+        <p:nvSpPr>
+          <p:cNvPr id="5" name="備忘稿版面配置區 4"/>
+          <p:cNvSpPr>
+            <a:spLocks noGrp="1"/>
+          </p:cNvSpPr>
+          <p:nvPr>
+            <p:ph type="body" sz="quarter" idx="3"/>
+          </p:nvPr>
+        </p:nvSpPr>
+        <p:spPr>
+          <a:xfrm>
+            <a:off x="685800" y="4400550"/>
+            <a:ext cx="5486400" cy="3600450"/>
+          </a:xfrm>
+          <a:prstGeom prst="rect">
+            <a:avLst/>
+          </a:prstGeom>
+        </p:spPr>
+        <p:txBody>
+          <a:bodyPr vert="horz" lIns="91440" tIns="45720" rIns="91440" bIns="45720" rtlCol="0"/>
+          <a:lstStyle/>
+          <a:p>
+            <a:pPr lvl="0"/>
+            <a:r>
+              <a:rPr lang="zh-TW" altLang="en-US"/>
+              <a:t>編輯母片文字樣式</a:t>
+            </a:r>
+          </a:p>
+          <a:p>
+            <a:pPr lvl="1"/>
+            <a:r>
+              <a:rPr lang="zh-TW" altLang="en-US"/>
+              <a:t>第二層</a:t>
+            </a:r>
+          </a:p>
+          <a:p>
+            <a:pPr lvl="2"/>
+            <a:r>
+              <a:rPr lang="zh-TW" altLang="en-US"/>
+              <a:t>第三層</a:t>
+            </a:r>
+          </a:p>
+          <a:p>
+            <a:pPr lvl="3"/>
+            <a:r>
+              <a:rPr lang="zh-TW" altLang="en-US"/>
+              <a:t>第四層</a:t>
+            </a:r>
+          </a:p>
+          <a:p>
+            <a:pPr lvl="4"/>
+            <a:r>
+              <a:rPr lang="zh-TW" altLang="en-US"/>
+              <a:t>第五層</a:t>
+            </a:r>
+          </a:p>
+        </p:txBody>
+      </p:sp>
+      <p:sp>
+        <p:nvSpPr>
+          <p:cNvPr id="6" name="頁尾版面配置區 5"/>
+          <p:cNvSpPr>
+            <a:spLocks noGrp="1"/>
+          </p:cNvSpPr>
+          <p:nvPr>
+            <p:ph type="ftr" sz="quarter" idx="4"/>
+          </p:nvPr>
+        </p:nvSpPr>
+        <p:spPr>
+          <a:xfrm>
+            <a:off x="0" y="8685213"/>
+            <a:ext cx="2971800" cy="458787"/>
+          </a:xfrm>
+          <a:prstGeom prst="rect">
+            <a:avLst/>
+          </a:prstGeom>
+        </p:spPr>
+        <p:txBody>
+          <a:bodyPr vert="horz" lIns="91440" tIns="45720" rIns="91440" bIns="45720" rtlCol="0" anchor="b"/>
+          <a:lstStyle>
+            <a:lvl1pPr algn="l">
+              <a:defRPr sz="1200"/>
+            </a:lvl1pPr>
+          </a:lstStyle>
+          <a:p>
+            <a:endParaRPr lang="zh-TW" altLang="en-US"/>
+          </a:p>
+        </p:txBody>
+      </p:sp>
+      <p:sp>
+        <p:nvSpPr>
+          <p:cNvPr id="7" name="投影片編號版面配置區 6"/>
+          <p:cNvSpPr>
+            <a:spLocks noGrp="1"/>
+          </p:cNvSpPr>
+          <p:nvPr>
+            <p:ph type="sldNum" sz="quarter" idx="5"/>
+          </p:nvPr>
+        </p:nvSpPr>
+        <p:spPr>
+          <a:xfrm>
+            <a:off x="3884613" y="8685213"/>
+            <a:ext cx="2971800" cy="458787"/>
+          </a:xfrm>
+          <a:prstGeom prst="rect">
+            <a:avLst/>
+          </a:prstGeom>
+        </p:spPr>
+        <p:txBody>
+          <a:bodyPr vert="horz" lIns="91440" tIns="45720" rIns="91440" bIns="45720" rtlCol="0" anchor="b"/>
+          <a:lstStyle>
+            <a:lvl1pPr algn="r">
+              <a:defRPr sz="1200"/>
+            </a:lvl1pPr>
+          </a:lstStyle>
+          <a:p>
+            <a:fld id="{4AA6FC54-4309-413A-A023-4FCAD697C640}" type="slidenum">
+              <a:rPr lang="zh-TW" altLang="en-US" smtClean="0"/>
+              <a:t>‹#›</a:t>
+            </a:fld>
+            <a:endParaRPr lang="zh-TW" altLang="en-US"/>
+          </a:p>
+        </p:txBody>
+      </p:sp>
+    </p:spTree>
+    <p:extLst>
+      <p:ext uri="{BB962C8B-B14F-4D97-AF65-F5344CB8AC3E}">
+        <p14:creationId xmlns:p14="http://schemas.microsoft.com/office/powerpoint/2010/main" val="4280766365"/>
+      </p:ext>
+    </p:extLst>
+  </p:cSld>
+  <p:clrMap bg1="lt1" tx1="dk1" bg2="lt2" tx2="dk2" accent1="accent1" accent2="accent2" accent3="accent3" accent4="accent4" accent5="accent5" accent6="accent6" hlink="hlink" folHlink="folHlink"/>
+  <p:notesStyle>
+    <a:lvl1pPr marL="0" algn="l" defTabSz="914400" rtl="0" eaLnBrk="1" latinLnBrk="0" hangingPunct="1">
+      <a:defRPr sz="1200" kern="1200">
+        <a:solidFill>
+          <a:schemeClr val="tx1"/>
+        </a:solidFill>
+        <a:latin typeface="+mn-lt"/>
+        <a:ea typeface="+mn-ea"/>
+        <a:cs typeface="+mn-cs"/>
+      </a:defRPr>
+    </a:lvl1pPr>
+    <a:lvl2pPr marL="457200" algn="l" defTabSz="914400" rtl="0" eaLnBrk="1" latinLnBrk="0" hangingPunct="1">
+      <a:defRPr sz="1200" kern="1200">
+        <a:solidFill>
+          <a:schemeClr val="tx1"/>
+        </a:solidFill>
+        <a:latin typeface="+mn-lt"/>
+        <a:ea typeface="+mn-ea"/>
+        <a:cs typeface="+mn-cs"/>
+      </a:defRPr>
+    </a:lvl2pPr>
+    <a:lvl3pPr marL="914400" algn="l" defTabSz="914400" rtl="0" eaLnBrk="1" latinLnBrk="0" hangingPunct="1">
+      <a:defRPr sz="1200" kern="1200">
+        <a:solidFill>
+          <a:schemeClr val="tx1"/>
+        </a:solidFill>
+        <a:latin typeface="+mn-lt"/>
+        <a:ea typeface="+mn-ea"/>
+        <a:cs typeface="+mn-cs"/>
+      </a:defRPr>
+    </a:lvl3pPr>
+    <a:lvl4pPr marL="1371600" algn="l" defTabSz="914400" rtl="0" eaLnBrk="1" latinLnBrk="0" hangingPunct="1">
+      <a:defRPr sz="1200" kern="1200">
+        <a:solidFill>
+          <a:schemeClr val="tx1"/>
+        </a:solidFill>
+        <a:latin typeface="+mn-lt"/>
+        <a:ea typeface="+mn-ea"/>
+        <a:cs typeface="+mn-cs"/>
+      </a:defRPr>
+    </a:lvl4pPr>
+    <a:lvl5pPr marL="1828800" algn="l" defTabSz="914400" rtl="0" eaLnBrk="1" latinLnBrk="0" hangingPunct="1">
+      <a:defRPr sz="1200" kern="1200">
+        <a:solidFill>
+          <a:schemeClr val="tx1"/>
+        </a:solidFill>
+        <a:latin typeface="+mn-lt"/>
+        <a:ea typeface="+mn-ea"/>
+        <a:cs typeface="+mn-cs"/>
+      </a:defRPr>
+    </a:lvl5pPr>
+    <a:lvl6pPr marL="2286000" algn="l" defTabSz="914400" rtl="0" eaLnBrk="1" latinLnBrk="0" hangingPunct="1">
+      <a:defRPr sz="1200" kern="1200">
+        <a:solidFill>
+          <a:schemeClr val="tx1"/>
+        </a:solidFill>
+        <a:latin typeface="+mn-lt"/>
+        <a:ea typeface="+mn-ea"/>
+        <a:cs typeface="+mn-cs"/>
+      </a:defRPr>
+    </a:lvl6pPr>
+    <a:lvl7pPr marL="2743200" algn="l" defTabSz="914400" rtl="0" eaLnBrk="1" latinLnBrk="0" hangingPunct="1">
+      <a:defRPr sz="1200" kern="1200">
+        <a:solidFill>
+          <a:schemeClr val="tx1"/>
+        </a:solidFill>
+        <a:latin typeface="+mn-lt"/>
+        <a:ea typeface="+mn-ea"/>
+        <a:cs typeface="+mn-cs"/>
+      </a:defRPr>
+    </a:lvl7pPr>
+    <a:lvl8pPr marL="3200400" algn="l" defTabSz="914400" rtl="0" eaLnBrk="1" latinLnBrk="0" hangingPunct="1">
+      <a:defRPr sz="1200" kern="1200">
+        <a:solidFill>
+          <a:schemeClr val="tx1"/>
+        </a:solidFill>
+        <a:latin typeface="+mn-lt"/>
+        <a:ea typeface="+mn-ea"/>
+        <a:cs typeface="+mn-cs"/>
+      </a:defRPr>
+    </a:lvl8pPr>
+    <a:lvl9pPr marL="3657600" algn="l" defTabSz="914400" rtl="0" eaLnBrk="1" latinLnBrk="0" hangingPunct="1">
+      <a:defRPr sz="1200" kern="1200">
+        <a:solidFill>
+          <a:schemeClr val="tx1"/>
+        </a:solidFill>
+        <a:latin typeface="+mn-lt"/>
+        <a:ea typeface="+mn-ea"/>
+        <a:cs typeface="+mn-cs"/>
+      </a:defRPr>
+    </a:lvl9pPr>
+  </p:notesStyle>
+</p:notesMaster>
+</file>
+
+<file path=ppt/notesSlides/notesSlide1.xml><?xml version="1.0" encoding="utf-8"?>
+<p:notes xmlns:a="http://schemas.openxmlformats.org/drawingml/2006/main" xmlns:r="http://schemas.openxmlformats.org/officeDocument/2006/relationships" xmlns:p="http://schemas.openxmlformats.org/presentationml/2006/main">
+  <p:cSld>
+    <p:spTree>
+      <p:nvGrpSpPr>
+        <p:cNvPr id="1" name=""/>
+        <p:cNvGrpSpPr/>
+        <p:nvPr/>
+      </p:nvGrpSpPr>
+      <p:grpSpPr>
+        <a:xfrm>
+          <a:off x="0" y="0"/>
+          <a:ext cx="0" cy="0"/>
+          <a:chOff x="0" y="0"/>
+          <a:chExt cx="0" cy="0"/>
+        </a:xfrm>
+      </p:grpSpPr>
+      <p:sp>
+        <p:nvSpPr>
+          <p:cNvPr id="2" name="投影片影像版面配置區 1"/>
+          <p:cNvSpPr>
+            <a:spLocks noGrp="1" noRot="1" noChangeAspect="1"/>
+          </p:cNvSpPr>
+          <p:nvPr>
+            <p:ph type="sldImg"/>
+          </p:nvPr>
+        </p:nvSpPr>
+        <p:spPr/>
+      </p:sp>
+      <p:sp>
+        <p:nvSpPr>
+          <p:cNvPr id="3" name="備忘稿版面配置區 2"/>
+          <p:cNvSpPr>
+            <a:spLocks noGrp="1"/>
+          </p:cNvSpPr>
+          <p:nvPr>
+            <p:ph type="body" idx="1"/>
+          </p:nvPr>
+        </p:nvSpPr>
+        <p:spPr/>
+        <p:txBody>
+          <a:bodyPr/>
+          <a:lstStyle/>
+          <a:p>
+            <a:endParaRPr lang="zh-TW" altLang="en-US" dirty="0"/>
+          </a:p>
+        </p:txBody>
+      </p:sp>
+      <p:sp>
+        <p:nvSpPr>
+          <p:cNvPr id="4" name="投影片編號版面配置區 3"/>
+          <p:cNvSpPr>
+            <a:spLocks noGrp="1"/>
+          </p:cNvSpPr>
+          <p:nvPr>
+            <p:ph type="sldNum" sz="quarter" idx="5"/>
+          </p:nvPr>
+        </p:nvSpPr>
+        <p:spPr/>
+        <p:txBody>
+          <a:bodyPr/>
+          <a:lstStyle/>
+          <a:p>
+            <a:fld id="{4AA6FC54-4309-413A-A023-4FCAD697C640}" type="slidenum">
+              <a:rPr lang="zh-TW" altLang="en-US" smtClean="0"/>
+              <a:t>1</a:t>
+            </a:fld>
+            <a:endParaRPr lang="zh-TW" altLang="en-US"/>
+          </a:p>
+        </p:txBody>
+      </p:sp>
+    </p:spTree>
+    <p:extLst>
+      <p:ext uri="{BB962C8B-B14F-4D97-AF65-F5344CB8AC3E}">
+        <p14:creationId xmlns:p14="http://schemas.microsoft.com/office/powerpoint/2010/main" val="3100706220"/>
+      </p:ext>
+    </p:extLst>
+  </p:cSld>
+  <p:clrMapOvr>
+    <a:masterClrMapping/>
+  </p:clrMapOvr>
+</p:notes>
+</file>
+
+<file path=ppt/notesSlides/notesSlide10.xml><?xml version="1.0" encoding="utf-8"?>
+<p:notes xmlns:a="http://schemas.openxmlformats.org/drawingml/2006/main" xmlns:r="http://schemas.openxmlformats.org/officeDocument/2006/relationships" xmlns:p="http://schemas.openxmlformats.org/presentationml/2006/main">
+  <p:cSld>
+    <p:spTree>
+      <p:nvGrpSpPr>
+        <p:cNvPr id="1" name=""/>
+        <p:cNvGrpSpPr/>
+        <p:nvPr/>
+      </p:nvGrpSpPr>
+      <p:grpSpPr>
+        <a:xfrm>
+          <a:off x="0" y="0"/>
+          <a:ext cx="0" cy="0"/>
+          <a:chOff x="0" y="0"/>
+          <a:chExt cx="0" cy="0"/>
+        </a:xfrm>
+      </p:grpSpPr>
+      <p:sp>
+        <p:nvSpPr>
+          <p:cNvPr id="2" name="投影片影像版面配置區 1"/>
+          <p:cNvSpPr>
+            <a:spLocks noGrp="1" noRot="1" noChangeAspect="1"/>
+          </p:cNvSpPr>
+          <p:nvPr>
+            <p:ph type="sldImg"/>
+          </p:nvPr>
+        </p:nvSpPr>
+        <p:spPr/>
+      </p:sp>
+      <p:sp>
+        <p:nvSpPr>
+          <p:cNvPr id="3" name="備忘稿版面配置區 2"/>
+          <p:cNvSpPr>
+            <a:spLocks noGrp="1"/>
+          </p:cNvSpPr>
+          <p:nvPr>
+            <p:ph type="body" idx="1"/>
+          </p:nvPr>
+        </p:nvSpPr>
+        <p:spPr/>
+        <p:txBody>
+          <a:bodyPr/>
+          <a:lstStyle/>
+          <a:p>
+            <a:r>
+              <a:rPr lang="zh-TW" altLang="en-US" dirty="0"/>
+              <a:t>就在這個時候，我突然想起了過去的訓練。我停下來深吸一口氣，將自己的思路整理清楚，然後坦然地告訴教授，這是個非常好的問題，我需要一些時間去進一步思考這個問題的解決方案。教授笑著點頭，並且鼓勵我保持開放的思考方式，這讓我從緊張中解脫出來。</a:t>
+            </a:r>
+          </a:p>
+        </p:txBody>
+      </p:sp>
+      <p:sp>
+        <p:nvSpPr>
+          <p:cNvPr id="4" name="投影片編號版面配置區 3"/>
+          <p:cNvSpPr>
+            <a:spLocks noGrp="1"/>
+          </p:cNvSpPr>
+          <p:nvPr>
+            <p:ph type="sldNum" sz="quarter" idx="5"/>
+          </p:nvPr>
+        </p:nvSpPr>
+        <p:spPr/>
+        <p:txBody>
+          <a:bodyPr/>
+          <a:lstStyle/>
+          <a:p>
+            <a:fld id="{4AA6FC54-4309-413A-A023-4FCAD697C640}" type="slidenum">
+              <a:rPr lang="zh-TW" altLang="en-US" smtClean="0"/>
+              <a:t>10</a:t>
+            </a:fld>
+            <a:endParaRPr lang="zh-TW" altLang="en-US"/>
+          </a:p>
+        </p:txBody>
+      </p:sp>
+    </p:spTree>
+    <p:extLst>
+      <p:ext uri="{BB962C8B-B14F-4D97-AF65-F5344CB8AC3E}">
+        <p14:creationId xmlns:p14="http://schemas.microsoft.com/office/powerpoint/2010/main" val="1372351994"/>
+      </p:ext>
+    </p:extLst>
+  </p:cSld>
+  <p:clrMapOvr>
+    <a:masterClrMapping/>
+  </p:clrMapOvr>
+</p:notes>
+</file>
+
+<file path=ppt/notesSlides/notesSlide11.xml><?xml version="1.0" encoding="utf-8"?>
+<p:notes xmlns:a="http://schemas.openxmlformats.org/drawingml/2006/main" xmlns:r="http://schemas.openxmlformats.org/officeDocument/2006/relationships" xmlns:p="http://schemas.openxmlformats.org/presentationml/2006/main">
+  <p:cSld>
+    <p:spTree>
+      <p:nvGrpSpPr>
+        <p:cNvPr id="1" name=""/>
+        <p:cNvGrpSpPr/>
+        <p:nvPr/>
+      </p:nvGrpSpPr>
+      <p:grpSpPr>
+        <a:xfrm>
+          <a:off x="0" y="0"/>
+          <a:ext cx="0" cy="0"/>
+          <a:chOff x="0" y="0"/>
+          <a:chExt cx="0" cy="0"/>
+        </a:xfrm>
+      </p:grpSpPr>
+      <p:sp>
+        <p:nvSpPr>
+          <p:cNvPr id="2" name="投影片影像版面配置區 1"/>
+          <p:cNvSpPr>
+            <a:spLocks noGrp="1" noRot="1" noChangeAspect="1"/>
+          </p:cNvSpPr>
+          <p:nvPr>
+            <p:ph type="sldImg"/>
+          </p:nvPr>
+        </p:nvSpPr>
+        <p:spPr/>
+      </p:sp>
+      <p:sp>
+        <p:nvSpPr>
+          <p:cNvPr id="3" name="備忘稿版面配置區 2"/>
+          <p:cNvSpPr>
+            <a:spLocks noGrp="1"/>
+          </p:cNvSpPr>
+          <p:nvPr>
+            <p:ph type="body" idx="1"/>
+          </p:nvPr>
+        </p:nvSpPr>
+        <p:spPr/>
+        <p:txBody>
+          <a:bodyPr/>
+          <a:lstStyle/>
+          <a:p>
+            <a:r>
+              <a:rPr lang="zh-TW" altLang="en-US" dirty="0"/>
+              <a:t>最終，我不僅順利完成了整場演講，還收到了教授和其他專家的邀請，進一步討論我的項目。這次挑戰讓我明白，跳脫舒適圈的冒險，並不是一個一次性的行為，而是一個持續挑戰自己的過程。從那時起，我不再畏懼站在舞台上，反而期待著未來更多的機會能夠展示我的研究成果。</a:t>
+            </a:r>
+          </a:p>
+        </p:txBody>
+      </p:sp>
+      <p:sp>
+        <p:nvSpPr>
+          <p:cNvPr id="4" name="投影片編號版面配置區 3"/>
+          <p:cNvSpPr>
+            <a:spLocks noGrp="1"/>
+          </p:cNvSpPr>
+          <p:nvPr>
+            <p:ph type="sldNum" sz="quarter" idx="5"/>
+          </p:nvPr>
+        </p:nvSpPr>
+        <p:spPr/>
+        <p:txBody>
+          <a:bodyPr/>
+          <a:lstStyle/>
+          <a:p>
+            <a:fld id="{4AA6FC54-4309-413A-A023-4FCAD697C640}" type="slidenum">
+              <a:rPr lang="zh-TW" altLang="en-US" smtClean="0"/>
+              <a:t>11</a:t>
+            </a:fld>
+            <a:endParaRPr lang="zh-TW" altLang="en-US"/>
+          </a:p>
+        </p:txBody>
+      </p:sp>
+    </p:spTree>
+    <p:extLst>
+      <p:ext uri="{BB962C8B-B14F-4D97-AF65-F5344CB8AC3E}">
+        <p14:creationId xmlns:p14="http://schemas.microsoft.com/office/powerpoint/2010/main" val="1900945121"/>
+      </p:ext>
+    </p:extLst>
+  </p:cSld>
+  <p:clrMapOvr>
+    <a:masterClrMapping/>
+  </p:clrMapOvr>
+</p:notes>
+</file>
+
+<file path=ppt/notesSlides/notesSlide2.xml><?xml version="1.0" encoding="utf-8"?>
+<p:notes xmlns:a="http://schemas.openxmlformats.org/drawingml/2006/main" xmlns:r="http://schemas.openxmlformats.org/officeDocument/2006/relationships" xmlns:p="http://schemas.openxmlformats.org/presentationml/2006/main">
+  <p:cSld>
+    <p:spTree>
+      <p:nvGrpSpPr>
+        <p:cNvPr id="1" name=""/>
+        <p:cNvGrpSpPr/>
+        <p:nvPr/>
+      </p:nvGrpSpPr>
+      <p:grpSpPr>
+        <a:xfrm>
+          <a:off x="0" y="0"/>
+          <a:ext cx="0" cy="0"/>
+          <a:chOff x="0" y="0"/>
+          <a:chExt cx="0" cy="0"/>
+        </a:xfrm>
+      </p:grpSpPr>
+      <p:sp>
+        <p:nvSpPr>
+          <p:cNvPr id="2" name="投影片影像版面配置區 1"/>
+          <p:cNvSpPr>
+            <a:spLocks noGrp="1" noRot="1" noChangeAspect="1"/>
+          </p:cNvSpPr>
+          <p:nvPr>
+            <p:ph type="sldImg"/>
+          </p:nvPr>
+        </p:nvSpPr>
+        <p:spPr/>
+      </p:sp>
+      <p:sp>
+        <p:nvSpPr>
+          <p:cNvPr id="3" name="備忘稿版面配置區 2"/>
+          <p:cNvSpPr>
+            <a:spLocks noGrp="1"/>
+          </p:cNvSpPr>
+          <p:nvPr>
+            <p:ph type="body" idx="1"/>
+          </p:nvPr>
+        </p:nvSpPr>
+        <p:spPr/>
+        <p:txBody>
+          <a:bodyPr/>
+          <a:lstStyle/>
+          <a:p>
+            <a:r>
+              <a:rPr lang="zh-TW" altLang="en-US" dirty="0"/>
+              <a:t>大家好，我是</a:t>
+            </a:r>
+            <a:r>
+              <a:rPr lang="en-US" altLang="zh-TW" dirty="0"/>
+              <a:t>XXX</a:t>
+            </a:r>
+            <a:r>
+              <a:rPr lang="zh-TW" altLang="en-US" dirty="0"/>
+              <a:t>。對於很多人來說，冒險可能意味著去探索神秘的森林或攀登高山，但對我來說，最具挑戰的冒險是跳脫我一直以來習慣的舒適圈</a:t>
+            </a:r>
+            <a:r>
+              <a:rPr lang="en-US" altLang="zh-TW" dirty="0"/>
+              <a:t>——</a:t>
+            </a:r>
+            <a:r>
+              <a:rPr lang="zh-TW" altLang="en-US" dirty="0"/>
+              <a:t>站上舞台進行公開演講。我一直希望能在學校的大型講座上發表自己的技術項目，讓更多人了解我的研究，但由於我對公開演講的恐懼，這個目標一直遙不可及。</a:t>
+            </a:r>
+          </a:p>
+        </p:txBody>
+      </p:sp>
+      <p:sp>
+        <p:nvSpPr>
+          <p:cNvPr id="4" name="投影片編號版面配置區 3"/>
+          <p:cNvSpPr>
+            <a:spLocks noGrp="1"/>
+          </p:cNvSpPr>
+          <p:nvPr>
+            <p:ph type="sldNum" sz="quarter" idx="5"/>
+          </p:nvPr>
+        </p:nvSpPr>
+        <p:spPr/>
+        <p:txBody>
+          <a:bodyPr/>
+          <a:lstStyle/>
+          <a:p>
+            <a:fld id="{4AA6FC54-4309-413A-A023-4FCAD697C640}" type="slidenum">
+              <a:rPr lang="zh-TW" altLang="en-US" smtClean="0"/>
+              <a:t>2</a:t>
+            </a:fld>
+            <a:endParaRPr lang="zh-TW" altLang="en-US"/>
+          </a:p>
+        </p:txBody>
+      </p:sp>
+    </p:spTree>
+    <p:extLst>
+      <p:ext uri="{BB962C8B-B14F-4D97-AF65-F5344CB8AC3E}">
+        <p14:creationId xmlns:p14="http://schemas.microsoft.com/office/powerpoint/2010/main" val="1998077132"/>
+      </p:ext>
+    </p:extLst>
+  </p:cSld>
+  <p:clrMapOvr>
+    <a:masterClrMapping/>
+  </p:clrMapOvr>
+</p:notes>
+</file>
+
+<file path=ppt/notesSlides/notesSlide3.xml><?xml version="1.0" encoding="utf-8"?>
+<p:notes xmlns:a="http://schemas.openxmlformats.org/drawingml/2006/main" xmlns:r="http://schemas.openxmlformats.org/officeDocument/2006/relationships" xmlns:p="http://schemas.openxmlformats.org/presentationml/2006/main">
+  <p:cSld>
+    <p:spTree>
+      <p:nvGrpSpPr>
+        <p:cNvPr id="1" name=""/>
+        <p:cNvGrpSpPr/>
+        <p:nvPr/>
+      </p:nvGrpSpPr>
+      <p:grpSpPr>
+        <a:xfrm>
+          <a:off x="0" y="0"/>
+          <a:ext cx="0" cy="0"/>
+          <a:chOff x="0" y="0"/>
+          <a:chExt cx="0" cy="0"/>
+        </a:xfrm>
+      </p:grpSpPr>
+      <p:sp>
+        <p:nvSpPr>
+          <p:cNvPr id="2" name="投影片影像版面配置區 1"/>
+          <p:cNvSpPr>
+            <a:spLocks noGrp="1" noRot="1" noChangeAspect="1"/>
+          </p:cNvSpPr>
+          <p:nvPr>
+            <p:ph type="sldImg"/>
+          </p:nvPr>
+        </p:nvSpPr>
+        <p:spPr/>
+      </p:sp>
+      <p:sp>
+        <p:nvSpPr>
+          <p:cNvPr id="3" name="備忘稿版面配置區 2"/>
+          <p:cNvSpPr>
+            <a:spLocks noGrp="1"/>
+          </p:cNvSpPr>
+          <p:nvPr>
+            <p:ph type="body" idx="1"/>
+          </p:nvPr>
+        </p:nvSpPr>
+        <p:spPr/>
+        <p:txBody>
+          <a:bodyPr/>
+          <a:lstStyle/>
+          <a:p>
+            <a:r>
+              <a:rPr lang="zh-TW" altLang="en-US" dirty="0"/>
+              <a:t>小時候，我曾經在班級的發表會上因為緊張而說不出話，從那時起，我就對演講充滿了恐懼。每次一想到要在大家面前發言，我就會不自覺地感到手心冒汗，心跳加速。即使我的技術項目已經得到老師和同學們的高度評價，但要我站在台上分享，這簡直是個天大的難題。</a:t>
+            </a:r>
+          </a:p>
+        </p:txBody>
+      </p:sp>
+      <p:sp>
+        <p:nvSpPr>
+          <p:cNvPr id="4" name="投影片編號版面配置區 3"/>
+          <p:cNvSpPr>
+            <a:spLocks noGrp="1"/>
+          </p:cNvSpPr>
+          <p:nvPr>
+            <p:ph type="sldNum" sz="quarter" idx="5"/>
+          </p:nvPr>
+        </p:nvSpPr>
+        <p:spPr/>
+        <p:txBody>
+          <a:bodyPr/>
+          <a:lstStyle/>
+          <a:p>
+            <a:fld id="{4AA6FC54-4309-413A-A023-4FCAD697C640}" type="slidenum">
+              <a:rPr lang="zh-TW" altLang="en-US" smtClean="0"/>
+              <a:t>3</a:t>
+            </a:fld>
+            <a:endParaRPr lang="zh-TW" altLang="en-US"/>
+          </a:p>
+        </p:txBody>
+      </p:sp>
+    </p:spTree>
+    <p:extLst>
+      <p:ext uri="{BB962C8B-B14F-4D97-AF65-F5344CB8AC3E}">
+        <p14:creationId xmlns:p14="http://schemas.microsoft.com/office/powerpoint/2010/main" val="459416677"/>
+      </p:ext>
+    </p:extLst>
+  </p:cSld>
+  <p:clrMapOvr>
+    <a:masterClrMapping/>
+  </p:clrMapOvr>
+</p:notes>
+</file>
+
+<file path=ppt/notesSlides/notesSlide4.xml><?xml version="1.0" encoding="utf-8"?>
+<p:notes xmlns:a="http://schemas.openxmlformats.org/drawingml/2006/main" xmlns:r="http://schemas.openxmlformats.org/officeDocument/2006/relationships" xmlns:p="http://schemas.openxmlformats.org/presentationml/2006/main">
+  <p:cSld>
+    <p:spTree>
+      <p:nvGrpSpPr>
+        <p:cNvPr id="1" name=""/>
+        <p:cNvGrpSpPr/>
+        <p:nvPr/>
+      </p:nvGrpSpPr>
+      <p:grpSpPr>
+        <a:xfrm>
+          <a:off x="0" y="0"/>
+          <a:ext cx="0" cy="0"/>
+          <a:chOff x="0" y="0"/>
+          <a:chExt cx="0" cy="0"/>
+        </a:xfrm>
+      </p:grpSpPr>
+      <p:sp>
+        <p:nvSpPr>
+          <p:cNvPr id="2" name="投影片影像版面配置區 1"/>
+          <p:cNvSpPr>
+            <a:spLocks noGrp="1" noRot="1" noChangeAspect="1"/>
+          </p:cNvSpPr>
+          <p:nvPr>
+            <p:ph type="sldImg"/>
+          </p:nvPr>
+        </p:nvSpPr>
+        <p:spPr/>
+      </p:sp>
+      <p:sp>
+        <p:nvSpPr>
+          <p:cNvPr id="3" name="備忘稿版面配置區 2"/>
+          <p:cNvSpPr>
+            <a:spLocks noGrp="1"/>
+          </p:cNvSpPr>
+          <p:nvPr>
+            <p:ph type="body" idx="1"/>
+          </p:nvPr>
+        </p:nvSpPr>
+        <p:spPr/>
+        <p:txBody>
+          <a:bodyPr/>
+          <a:lstStyle/>
+          <a:p>
+            <a:r>
+              <a:rPr lang="zh-TW" altLang="en-US" dirty="0"/>
+              <a:t>小時候，我曾經在班級的發表會上因為緊張而說不出話，從那時起，我就對演講充滿了恐懼。每次一想到要在大家面前發言，我就會不自覺地感到手心冒汗，心跳加速。即使我的技術項目已經得到老師和同學們的高度評價，但要我站在台上分享，這簡直是個天大的難題。</a:t>
+            </a:r>
+          </a:p>
+        </p:txBody>
+      </p:sp>
+      <p:sp>
+        <p:nvSpPr>
+          <p:cNvPr id="4" name="投影片編號版面配置區 3"/>
+          <p:cNvSpPr>
+            <a:spLocks noGrp="1"/>
+          </p:cNvSpPr>
+          <p:nvPr>
+            <p:ph type="sldNum" sz="quarter" idx="5"/>
+          </p:nvPr>
+        </p:nvSpPr>
+        <p:spPr/>
+        <p:txBody>
+          <a:bodyPr/>
+          <a:lstStyle/>
+          <a:p>
+            <a:fld id="{4AA6FC54-4309-413A-A023-4FCAD697C640}" type="slidenum">
+              <a:rPr lang="zh-TW" altLang="en-US" smtClean="0"/>
+              <a:t>4</a:t>
+            </a:fld>
+            <a:endParaRPr lang="zh-TW" altLang="en-US"/>
+          </a:p>
+        </p:txBody>
+      </p:sp>
+    </p:spTree>
+    <p:extLst>
+      <p:ext uri="{BB962C8B-B14F-4D97-AF65-F5344CB8AC3E}">
+        <p14:creationId xmlns:p14="http://schemas.microsoft.com/office/powerpoint/2010/main" val="767454800"/>
+      </p:ext>
+    </p:extLst>
+  </p:cSld>
+  <p:clrMapOvr>
+    <a:masterClrMapping/>
+  </p:clrMapOvr>
+</p:notes>
+</file>
+
+<file path=ppt/notesSlides/notesSlide5.xml><?xml version="1.0" encoding="utf-8"?>
+<p:notes xmlns:a="http://schemas.openxmlformats.org/drawingml/2006/main" xmlns:r="http://schemas.openxmlformats.org/officeDocument/2006/relationships" xmlns:p="http://schemas.openxmlformats.org/presentationml/2006/main">
+  <p:cSld>
+    <p:spTree>
+      <p:nvGrpSpPr>
+        <p:cNvPr id="1" name=""/>
+        <p:cNvGrpSpPr/>
+        <p:nvPr/>
+      </p:nvGrpSpPr>
+      <p:grpSpPr>
+        <a:xfrm>
+          <a:off x="0" y="0"/>
+          <a:ext cx="0" cy="0"/>
+          <a:chOff x="0" y="0"/>
+          <a:chExt cx="0" cy="0"/>
+        </a:xfrm>
+      </p:grpSpPr>
+      <p:sp>
+        <p:nvSpPr>
+          <p:cNvPr id="2" name="投影片影像版面配置區 1"/>
+          <p:cNvSpPr>
+            <a:spLocks noGrp="1" noRot="1" noChangeAspect="1"/>
+          </p:cNvSpPr>
+          <p:nvPr>
+            <p:ph type="sldImg"/>
+          </p:nvPr>
+        </p:nvSpPr>
+        <p:spPr/>
+      </p:sp>
+      <p:sp>
+        <p:nvSpPr>
+          <p:cNvPr id="3" name="備忘稿版面配置區 2"/>
+          <p:cNvSpPr>
+            <a:spLocks noGrp="1"/>
+          </p:cNvSpPr>
+          <p:nvPr>
+            <p:ph type="body" idx="1"/>
+          </p:nvPr>
+        </p:nvSpPr>
+        <p:spPr/>
+        <p:txBody>
+          <a:bodyPr/>
+          <a:lstStyle/>
+          <a:p>
+            <a:r>
+              <a:rPr lang="zh-TW" altLang="en-US" dirty="0"/>
+              <a:t>我知道，如果我一直逃避這個問題，我的目標永遠無法實現。於是，我決定挑戰自己，開始一點一點地突破這種恐懼。我報名參加了一個小型的社團演講活動，並且每天對著鏡子練習自己的發言內容。為了克服緊張，我還學習了一些呼吸調節和放鬆的技巧，並請朋友們扮演觀眾，模擬演講情況。這些努力讓我逐漸建立起對自己語言表達的信心。</a:t>
+            </a:r>
+          </a:p>
+        </p:txBody>
+      </p:sp>
+      <p:sp>
+        <p:nvSpPr>
+          <p:cNvPr id="4" name="投影片編號版面配置區 3"/>
+          <p:cNvSpPr>
+            <a:spLocks noGrp="1"/>
+          </p:cNvSpPr>
+          <p:nvPr>
+            <p:ph type="sldNum" sz="quarter" idx="5"/>
+          </p:nvPr>
+        </p:nvSpPr>
+        <p:spPr/>
+        <p:txBody>
+          <a:bodyPr/>
+          <a:lstStyle/>
+          <a:p>
+            <a:fld id="{4AA6FC54-4309-413A-A023-4FCAD697C640}" type="slidenum">
+              <a:rPr lang="zh-TW" altLang="en-US" smtClean="0"/>
+              <a:t>5</a:t>
+            </a:fld>
+            <a:endParaRPr lang="zh-TW" altLang="en-US"/>
+          </a:p>
+        </p:txBody>
+      </p:sp>
+    </p:spTree>
+    <p:extLst>
+      <p:ext uri="{BB962C8B-B14F-4D97-AF65-F5344CB8AC3E}">
+        <p14:creationId xmlns:p14="http://schemas.microsoft.com/office/powerpoint/2010/main" val="254058300"/>
+      </p:ext>
+    </p:extLst>
+  </p:cSld>
+  <p:clrMapOvr>
+    <a:masterClrMapping/>
+  </p:clrMapOvr>
+</p:notes>
+</file>
+
+<file path=ppt/notesSlides/notesSlide6.xml><?xml version="1.0" encoding="utf-8"?>
+<p:notes xmlns:a="http://schemas.openxmlformats.org/drawingml/2006/main" xmlns:r="http://schemas.openxmlformats.org/officeDocument/2006/relationships" xmlns:p="http://schemas.openxmlformats.org/presentationml/2006/main">
+  <p:cSld>
+    <p:spTree>
+      <p:nvGrpSpPr>
+        <p:cNvPr id="1" name=""/>
+        <p:cNvGrpSpPr/>
+        <p:nvPr/>
+      </p:nvGrpSpPr>
+      <p:grpSpPr>
+        <a:xfrm>
+          <a:off x="0" y="0"/>
+          <a:ext cx="0" cy="0"/>
+          <a:chOff x="0" y="0"/>
+          <a:chExt cx="0" cy="0"/>
+        </a:xfrm>
+      </p:grpSpPr>
+      <p:sp>
+        <p:nvSpPr>
+          <p:cNvPr id="2" name="投影片影像版面配置區 1"/>
+          <p:cNvSpPr>
+            <a:spLocks noGrp="1" noRot="1" noChangeAspect="1"/>
+          </p:cNvSpPr>
+          <p:nvPr>
+            <p:ph type="sldImg"/>
+          </p:nvPr>
+        </p:nvSpPr>
+        <p:spPr/>
+      </p:sp>
+      <p:sp>
+        <p:nvSpPr>
+          <p:cNvPr id="3" name="備忘稿版面配置區 2"/>
+          <p:cNvSpPr>
+            <a:spLocks noGrp="1"/>
+          </p:cNvSpPr>
+          <p:nvPr>
+            <p:ph type="body" idx="1"/>
+          </p:nvPr>
+        </p:nvSpPr>
+        <p:spPr/>
+        <p:txBody>
+          <a:bodyPr/>
+          <a:lstStyle/>
+          <a:p>
+            <a:r>
+              <a:rPr lang="zh-TW" altLang="en-US" dirty="0"/>
+              <a:t>我知道，如果我一直逃避這個問題，我的目標永遠無法實現。於是，我決定挑戰自己，開始一點一點地突破這種恐懼。我報名參加了一個小型的社團演講活動，並且每天對著鏡子練習自己的發言內容。為了克服緊張，我還學習了一些呼吸調節和放鬆的技巧，並請朋友們扮演觀眾，模擬演講情況。這些努力讓我逐漸建立起對自己語言表達的信心。</a:t>
+            </a:r>
+          </a:p>
+        </p:txBody>
+      </p:sp>
+      <p:sp>
+        <p:nvSpPr>
+          <p:cNvPr id="4" name="投影片編號版面配置區 3"/>
+          <p:cNvSpPr>
+            <a:spLocks noGrp="1"/>
+          </p:cNvSpPr>
+          <p:nvPr>
+            <p:ph type="sldNum" sz="quarter" idx="5"/>
+          </p:nvPr>
+        </p:nvSpPr>
+        <p:spPr/>
+        <p:txBody>
+          <a:bodyPr/>
+          <a:lstStyle/>
+          <a:p>
+            <a:fld id="{4AA6FC54-4309-413A-A023-4FCAD697C640}" type="slidenum">
+              <a:rPr lang="zh-TW" altLang="en-US" smtClean="0"/>
+              <a:t>6</a:t>
+            </a:fld>
+            <a:endParaRPr lang="zh-TW" altLang="en-US"/>
+          </a:p>
+        </p:txBody>
+      </p:sp>
+    </p:spTree>
+    <p:extLst>
+      <p:ext uri="{BB962C8B-B14F-4D97-AF65-F5344CB8AC3E}">
+        <p14:creationId xmlns:p14="http://schemas.microsoft.com/office/powerpoint/2010/main" val="3329150774"/>
+      </p:ext>
+    </p:extLst>
+  </p:cSld>
+  <p:clrMapOvr>
+    <a:masterClrMapping/>
+  </p:clrMapOvr>
+</p:notes>
+</file>
+
+<file path=ppt/notesSlides/notesSlide7.xml><?xml version="1.0" encoding="utf-8"?>
+<p:notes xmlns:a="http://schemas.openxmlformats.org/drawingml/2006/main" xmlns:r="http://schemas.openxmlformats.org/officeDocument/2006/relationships" xmlns:p="http://schemas.openxmlformats.org/presentationml/2006/main">
+  <p:cSld>
+    <p:spTree>
+      <p:nvGrpSpPr>
+        <p:cNvPr id="1" name=""/>
+        <p:cNvGrpSpPr/>
+        <p:nvPr/>
+      </p:nvGrpSpPr>
+      <p:grpSpPr>
+        <a:xfrm>
+          <a:off x="0" y="0"/>
+          <a:ext cx="0" cy="0"/>
+          <a:chOff x="0" y="0"/>
+          <a:chExt cx="0" cy="0"/>
+        </a:xfrm>
+      </p:grpSpPr>
+      <p:sp>
+        <p:nvSpPr>
+          <p:cNvPr id="2" name="投影片影像版面配置區 1"/>
+          <p:cNvSpPr>
+            <a:spLocks noGrp="1" noRot="1" noChangeAspect="1"/>
+          </p:cNvSpPr>
+          <p:nvPr>
+            <p:ph type="sldImg"/>
+          </p:nvPr>
+        </p:nvSpPr>
+        <p:spPr/>
+      </p:sp>
+      <p:sp>
+        <p:nvSpPr>
+          <p:cNvPr id="3" name="備忘稿版面配置區 2"/>
+          <p:cNvSpPr>
+            <a:spLocks noGrp="1"/>
+          </p:cNvSpPr>
+          <p:nvPr>
+            <p:ph type="body" idx="1"/>
+          </p:nvPr>
+        </p:nvSpPr>
+        <p:spPr/>
+        <p:txBody>
+          <a:bodyPr/>
+          <a:lstStyle/>
+          <a:p>
+            <a:r>
+              <a:rPr lang="zh-TW" altLang="en-US" dirty="0"/>
+              <a:t>我知道，如果我一直逃避這個問題，我的目標永遠無法實現。於是，我決定挑戰自己，開始一點一點地突破這種恐懼。我報名參加了一個小型的社團演講活動，並且每天對著鏡子練習自己的發言內容。為了克服緊張，我還學習了一些呼吸調節和放鬆的技巧，並請朋友們扮演觀眾，模擬演講情況。這些努力讓我逐漸建立起對自己語言表達的信心。</a:t>
+            </a:r>
+          </a:p>
+        </p:txBody>
+      </p:sp>
+      <p:sp>
+        <p:nvSpPr>
+          <p:cNvPr id="4" name="投影片編號版面配置區 3"/>
+          <p:cNvSpPr>
+            <a:spLocks noGrp="1"/>
+          </p:cNvSpPr>
+          <p:nvPr>
+            <p:ph type="sldNum" sz="quarter" idx="5"/>
+          </p:nvPr>
+        </p:nvSpPr>
+        <p:spPr/>
+        <p:txBody>
+          <a:bodyPr/>
+          <a:lstStyle/>
+          <a:p>
+            <a:fld id="{4AA6FC54-4309-413A-A023-4FCAD697C640}" type="slidenum">
+              <a:rPr lang="zh-TW" altLang="en-US" smtClean="0"/>
+              <a:t>7</a:t>
+            </a:fld>
+            <a:endParaRPr lang="zh-TW" altLang="en-US"/>
+          </a:p>
+        </p:txBody>
+      </p:sp>
+    </p:spTree>
+    <p:extLst>
+      <p:ext uri="{BB962C8B-B14F-4D97-AF65-F5344CB8AC3E}">
+        <p14:creationId xmlns:p14="http://schemas.microsoft.com/office/powerpoint/2010/main" val="628039775"/>
+      </p:ext>
+    </p:extLst>
+  </p:cSld>
+  <p:clrMapOvr>
+    <a:masterClrMapping/>
+  </p:clrMapOvr>
+</p:notes>
+</file>
+
+<file path=ppt/notesSlides/notesSlide8.xml><?xml version="1.0" encoding="utf-8"?>
+<p:notes xmlns:a="http://schemas.openxmlformats.org/drawingml/2006/main" xmlns:r="http://schemas.openxmlformats.org/officeDocument/2006/relationships" xmlns:p="http://schemas.openxmlformats.org/presentationml/2006/main">
+  <p:cSld>
+    <p:spTree>
+      <p:nvGrpSpPr>
+        <p:cNvPr id="1" name=""/>
+        <p:cNvGrpSpPr/>
+        <p:nvPr/>
+      </p:nvGrpSpPr>
+      <p:grpSpPr>
+        <a:xfrm>
+          <a:off x="0" y="0"/>
+          <a:ext cx="0" cy="0"/>
+          <a:chOff x="0" y="0"/>
+          <a:chExt cx="0" cy="0"/>
+        </a:xfrm>
+      </p:grpSpPr>
+      <p:sp>
+        <p:nvSpPr>
+          <p:cNvPr id="2" name="投影片影像版面配置區 1"/>
+          <p:cNvSpPr>
+            <a:spLocks noGrp="1" noRot="1" noChangeAspect="1"/>
+          </p:cNvSpPr>
+          <p:nvPr>
+            <p:ph type="sldImg"/>
+          </p:nvPr>
+        </p:nvSpPr>
+        <p:spPr/>
+      </p:sp>
+      <p:sp>
+        <p:nvSpPr>
+          <p:cNvPr id="3" name="備忘稿版面配置區 2"/>
+          <p:cNvSpPr>
+            <a:spLocks noGrp="1"/>
+          </p:cNvSpPr>
+          <p:nvPr>
+            <p:ph type="body" idx="1"/>
+          </p:nvPr>
+        </p:nvSpPr>
+        <p:spPr/>
+        <p:txBody>
+          <a:bodyPr/>
+          <a:lstStyle/>
+          <a:p>
+            <a:r>
+              <a:rPr lang="zh-TW" altLang="en-US" dirty="0"/>
+              <a:t>幾個月後，終於到了我在學校技術講座上演講的那天。我站在舞台上，手心依然有些冒汗，但我不再像從前那樣焦慮。在過去的努力下，我逐漸掌握了控制情緒的技巧，我能夠順利地開始演講，並將我的技術項目詳細介紹給大家。結果出乎我的意料，台下的聽眾不僅理解了我的內容，還對我的項目表示出極大的興趣。</a:t>
+            </a:r>
+          </a:p>
+        </p:txBody>
+      </p:sp>
+      <p:sp>
+        <p:nvSpPr>
+          <p:cNvPr id="4" name="投影片編號版面配置區 3"/>
+          <p:cNvSpPr>
+            <a:spLocks noGrp="1"/>
+          </p:cNvSpPr>
+          <p:nvPr>
+            <p:ph type="sldNum" sz="quarter" idx="5"/>
+          </p:nvPr>
+        </p:nvSpPr>
+        <p:spPr/>
+        <p:txBody>
+          <a:bodyPr/>
+          <a:lstStyle/>
+          <a:p>
+            <a:fld id="{4AA6FC54-4309-413A-A023-4FCAD697C640}" type="slidenum">
+              <a:rPr lang="zh-TW" altLang="en-US" smtClean="0"/>
+              <a:t>8</a:t>
+            </a:fld>
+            <a:endParaRPr lang="zh-TW" altLang="en-US"/>
+          </a:p>
+        </p:txBody>
+      </p:sp>
+    </p:spTree>
+    <p:extLst>
+      <p:ext uri="{BB962C8B-B14F-4D97-AF65-F5344CB8AC3E}">
+        <p14:creationId xmlns:p14="http://schemas.microsoft.com/office/powerpoint/2010/main" val="1908391950"/>
+      </p:ext>
+    </p:extLst>
+  </p:cSld>
+  <p:clrMapOvr>
+    <a:masterClrMapping/>
+  </p:clrMapOvr>
+</p:notes>
+</file>
+
+<file path=ppt/notesSlides/notesSlide9.xml><?xml version="1.0" encoding="utf-8"?>
+<p:notes xmlns:a="http://schemas.openxmlformats.org/drawingml/2006/main" xmlns:r="http://schemas.openxmlformats.org/officeDocument/2006/relationships" xmlns:p="http://schemas.openxmlformats.org/presentationml/2006/main">
+  <p:cSld>
+    <p:spTree>
+      <p:nvGrpSpPr>
+        <p:cNvPr id="1" name=""/>
+        <p:cNvGrpSpPr/>
+        <p:nvPr/>
+      </p:nvGrpSpPr>
+      <p:grpSpPr>
+        <a:xfrm>
+          <a:off x="0" y="0"/>
+          <a:ext cx="0" cy="0"/>
+          <a:chOff x="0" y="0"/>
+          <a:chExt cx="0" cy="0"/>
+        </a:xfrm>
+      </p:grpSpPr>
+      <p:sp>
+        <p:nvSpPr>
+          <p:cNvPr id="2" name="投影片影像版面配置區 1"/>
+          <p:cNvSpPr>
+            <a:spLocks noGrp="1" noRot="1" noChangeAspect="1"/>
+          </p:cNvSpPr>
+          <p:nvPr>
+            <p:ph type="sldImg"/>
+          </p:nvPr>
+        </p:nvSpPr>
+        <p:spPr/>
+      </p:sp>
+      <p:sp>
+        <p:nvSpPr>
+          <p:cNvPr id="3" name="備忘稿版面配置區 2"/>
+          <p:cNvSpPr>
+            <a:spLocks noGrp="1"/>
+          </p:cNvSpPr>
+          <p:nvPr>
+            <p:ph type="body" idx="1"/>
+          </p:nvPr>
+        </p:nvSpPr>
+        <p:spPr/>
+        <p:txBody>
+          <a:bodyPr/>
+          <a:lstStyle/>
+          <a:p>
+            <a:r>
+              <a:rPr lang="zh-TW" altLang="en-US" dirty="0"/>
+              <a:t>然而，就在我以為演講完美收尾時，現場有位教授提出了一個刁鑽的問題，這是我之前沒有預料到的。我一時之間無法立即作答，氣氛開始變得緊張，我再次感受到了恐懼和不安，擔心自己在台上的努力會因此付諸東流。</a:t>
+            </a:r>
+          </a:p>
+        </p:txBody>
+      </p:sp>
+      <p:sp>
+        <p:nvSpPr>
+          <p:cNvPr id="4" name="投影片編號版面配置區 3"/>
+          <p:cNvSpPr>
+            <a:spLocks noGrp="1"/>
+          </p:cNvSpPr>
+          <p:nvPr>
+            <p:ph type="sldNum" sz="quarter" idx="5"/>
+          </p:nvPr>
+        </p:nvSpPr>
+        <p:spPr/>
+        <p:txBody>
+          <a:bodyPr/>
+          <a:lstStyle/>
+          <a:p>
+            <a:fld id="{4AA6FC54-4309-413A-A023-4FCAD697C640}" type="slidenum">
+              <a:rPr lang="zh-TW" altLang="en-US" smtClean="0"/>
+              <a:t>9</a:t>
+            </a:fld>
+            <a:endParaRPr lang="zh-TW" altLang="en-US"/>
+          </a:p>
+        </p:txBody>
+      </p:sp>
+    </p:spTree>
+    <p:extLst>
+      <p:ext uri="{BB962C8B-B14F-4D97-AF65-F5344CB8AC3E}">
+        <p14:creationId xmlns:p14="http://schemas.microsoft.com/office/powerpoint/2010/main" val="266558535"/>
+      </p:ext>
+    </p:extLst>
+  </p:cSld>
+  <p:clrMapOvr>
+    <a:masterClrMapping/>
+  </p:clrMapOvr>
+</p:notes>
 </file>
 
 <file path=ppt/slideLayouts/slideLayout1.xml><?xml version="1.0" encoding="utf-8"?>
@@ -254,7 +1591,7 @@
           <a:p>
             <a:fld id="{C3C90D7E-32D6-4894-AE08-7BBB3E610FC9}" type="datetimeFigureOut">
               <a:rPr lang="zh-TW" altLang="en-US" smtClean="0"/>
-              <a:t>2024/9/16</a:t>
+              <a:t>2024/10/21</a:t>
             </a:fld>
             <a:endParaRPr lang="zh-TW" altLang="en-US"/>
           </a:p>
@@ -452,7 +1789,7 @@
           <a:p>
             <a:fld id="{C3C90D7E-32D6-4894-AE08-7BBB3E610FC9}" type="datetimeFigureOut">
               <a:rPr lang="zh-TW" altLang="en-US" smtClean="0"/>
-              <a:t>2024/9/16</a:t>
+              <a:t>2024/10/21</a:t>
             </a:fld>
             <a:endParaRPr lang="zh-TW" altLang="en-US"/>
           </a:p>
@@ -660,7 +1997,7 @@
           <a:p>
             <a:fld id="{C3C90D7E-32D6-4894-AE08-7BBB3E610FC9}" type="datetimeFigureOut">
               <a:rPr lang="zh-TW" altLang="en-US" smtClean="0"/>
-              <a:t>2024/9/16</a:t>
+              <a:t>2024/10/21</a:t>
             </a:fld>
             <a:endParaRPr lang="zh-TW" altLang="en-US"/>
           </a:p>
@@ -858,7 +2195,7 @@
           <a:p>
             <a:fld id="{C3C90D7E-32D6-4894-AE08-7BBB3E610FC9}" type="datetimeFigureOut">
               <a:rPr lang="zh-TW" altLang="en-US" smtClean="0"/>
-              <a:t>2024/9/16</a:t>
+              <a:t>2024/10/21</a:t>
             </a:fld>
             <a:endParaRPr lang="zh-TW" altLang="en-US"/>
           </a:p>
@@ -1133,7 +2470,7 @@
           <a:p>
             <a:fld id="{C3C90D7E-32D6-4894-AE08-7BBB3E610FC9}" type="datetimeFigureOut">
               <a:rPr lang="zh-TW" altLang="en-US" smtClean="0"/>
-              <a:t>2024/9/16</a:t>
+              <a:t>2024/10/21</a:t>
             </a:fld>
             <a:endParaRPr lang="zh-TW" altLang="en-US"/>
           </a:p>
@@ -1398,7 +2735,7 @@
           <a:p>
             <a:fld id="{C3C90D7E-32D6-4894-AE08-7BBB3E610FC9}" type="datetimeFigureOut">
               <a:rPr lang="zh-TW" altLang="en-US" smtClean="0"/>
-              <a:t>2024/9/16</a:t>
+              <a:t>2024/10/21</a:t>
             </a:fld>
             <a:endParaRPr lang="zh-TW" altLang="en-US"/>
           </a:p>
@@ -1810,7 +3147,7 @@
           <a:p>
             <a:fld id="{C3C90D7E-32D6-4894-AE08-7BBB3E610FC9}" type="datetimeFigureOut">
               <a:rPr lang="zh-TW" altLang="en-US" smtClean="0"/>
-              <a:t>2024/9/16</a:t>
+              <a:t>2024/10/21</a:t>
             </a:fld>
             <a:endParaRPr lang="zh-TW" altLang="en-US"/>
           </a:p>
@@ -1951,7 +3288,7 @@
           <a:p>
             <a:fld id="{C3C90D7E-32D6-4894-AE08-7BBB3E610FC9}" type="datetimeFigureOut">
               <a:rPr lang="zh-TW" altLang="en-US" smtClean="0"/>
-              <a:t>2024/9/16</a:t>
+              <a:t>2024/10/21</a:t>
             </a:fld>
             <a:endParaRPr lang="zh-TW" altLang="en-US"/>
           </a:p>
@@ -2064,7 +3401,7 @@
           <a:p>
             <a:fld id="{C3C90D7E-32D6-4894-AE08-7BBB3E610FC9}" type="datetimeFigureOut">
               <a:rPr lang="zh-TW" altLang="en-US" smtClean="0"/>
-              <a:t>2024/9/16</a:t>
+              <a:t>2024/10/21</a:t>
             </a:fld>
             <a:endParaRPr lang="zh-TW" altLang="en-US"/>
           </a:p>
@@ -2375,7 +3712,7 @@
           <a:p>
             <a:fld id="{C3C90D7E-32D6-4894-AE08-7BBB3E610FC9}" type="datetimeFigureOut">
               <a:rPr lang="zh-TW" altLang="en-US" smtClean="0"/>
-              <a:t>2024/9/16</a:t>
+              <a:t>2024/10/21</a:t>
             </a:fld>
             <a:endParaRPr lang="zh-TW" altLang="en-US"/>
           </a:p>
@@ -2663,7 +4000,7 @@
           <a:p>
             <a:fld id="{C3C90D7E-32D6-4894-AE08-7BBB3E610FC9}" type="datetimeFigureOut">
               <a:rPr lang="zh-TW" altLang="en-US" smtClean="0"/>
-              <a:t>2024/9/16</a:t>
+              <a:t>2024/10/21</a:t>
             </a:fld>
             <a:endParaRPr lang="zh-TW" altLang="en-US"/>
           </a:p>
@@ -2740,9 +4077,15 @@
 <p:sldMaster xmlns:a="http://schemas.openxmlformats.org/drawingml/2006/main" xmlns:r="http://schemas.openxmlformats.org/officeDocument/2006/relationships" xmlns:p="http://schemas.openxmlformats.org/presentationml/2006/main">
   <p:cSld>
     <p:bg>
-      <p:bgRef idx="1001">
-        <a:schemeClr val="bg1"/>
-      </p:bgRef>
+      <p:bgPr>
+        <a:solidFill>
+          <a:schemeClr val="accent1">
+            <a:lumMod val="20000"/>
+            <a:lumOff val="80000"/>
+          </a:schemeClr>
+        </a:solidFill>
+        <a:effectLst/>
+      </p:bgPr>
     </p:bg>
     <p:spTree>
       <p:nvGrpSpPr>
@@ -2904,7 +4247,7 @@
           <a:p>
             <a:fld id="{C3C90D7E-32D6-4894-AE08-7BBB3E610FC9}" type="datetimeFigureOut">
               <a:rPr lang="zh-TW" altLang="en-US" smtClean="0"/>
-              <a:t>2024/9/16</a:t>
+              <a:t>2024/10/21</a:t>
             </a:fld>
             <a:endParaRPr lang="zh-TW" altLang="en-US"/>
           </a:p>
@@ -3323,51 +4666,34 @@
       </p:grpSpPr>
       <p:sp>
         <p:nvSpPr>
-          <p:cNvPr id="2" name="標題 1">
-            <a:extLst>
-              <a:ext uri="{FF2B5EF4-FFF2-40B4-BE49-F238E27FC236}">
-                <a16:creationId xmlns:a16="http://schemas.microsoft.com/office/drawing/2014/main" id="{32532283-9F93-4E44-8138-32796965361F}"/>
-              </a:ext>
-            </a:extLst>
-          </p:cNvPr>
-          <p:cNvSpPr>
-            <a:spLocks noGrp="1"/>
-          </p:cNvSpPr>
-          <p:nvPr>
-            <p:ph type="ctrTitle"/>
-          </p:nvPr>
-        </p:nvSpPr>
-        <p:spPr/>
-        <p:txBody>
-          <a:bodyPr/>
-          <a:lstStyle/>
-          <a:p>
-            <a:endParaRPr lang="zh-TW" altLang="en-US"/>
-          </a:p>
-        </p:txBody>
-      </p:sp>
-      <p:sp>
-        <p:nvSpPr>
-          <p:cNvPr id="3" name="副標題 2">
-            <a:extLst>
-              <a:ext uri="{FF2B5EF4-FFF2-40B4-BE49-F238E27FC236}">
-                <a16:creationId xmlns:a16="http://schemas.microsoft.com/office/drawing/2014/main" id="{8C946F38-524D-4B98-B9CB-80AEE57E455A}"/>
-              </a:ext>
-            </a:extLst>
-          </p:cNvPr>
-          <p:cNvSpPr>
-            <a:spLocks noGrp="1"/>
-          </p:cNvSpPr>
-          <p:nvPr>
-            <p:ph type="subTitle" idx="1"/>
-          </p:nvPr>
-        </p:nvSpPr>
-        <p:spPr/>
-        <p:txBody>
-          <a:bodyPr/>
-          <a:lstStyle/>
-          <a:p>
-            <a:endParaRPr lang="zh-TW" altLang="en-US"/>
+          <p:cNvPr id="4" name="標題 3">
+            <a:extLst>
+              <a:ext uri="{FF2B5EF4-FFF2-40B4-BE49-F238E27FC236}">
+                <a16:creationId xmlns:a16="http://schemas.microsoft.com/office/drawing/2014/main" id="{A6CE3A0F-0A1B-4B3C-89EE-7C9C6F04D1E4}"/>
+              </a:ext>
+            </a:extLst>
+          </p:cNvPr>
+          <p:cNvSpPr>
+            <a:spLocks noGrp="1"/>
+          </p:cNvSpPr>
+          <p:nvPr>
+            <p:ph type="title"/>
+          </p:nvPr>
+        </p:nvSpPr>
+        <p:spPr>
+          <a:xfrm>
+            <a:off x="838200" y="2103437"/>
+            <a:ext cx="10515600" cy="1325563"/>
+          </a:xfrm>
+        </p:spPr>
+        <p:txBody>
+          <a:bodyPr/>
+          <a:lstStyle/>
+          <a:p>
+            <a:r>
+              <a:rPr lang="zh-TW" altLang="en-US" b="1" dirty="0"/>
+              <a:t>冒險故事</a:t>
+            </a:r>
           </a:p>
         </p:txBody>
       </p:sp>
@@ -3381,10 +4707,1323 @@
   <p:clrMapOvr>
     <a:masterClrMapping/>
   </p:clrMapOvr>
+  <mc:AlternateContent xmlns:mc="http://schemas.openxmlformats.org/markup-compatibility/2006">
+    <mc:Choice xmlns:p159="http://schemas.microsoft.com/office/powerpoint/2015/09/main" Requires="p159">
+      <p:transition xmlns:p14="http://schemas.microsoft.com/office/powerpoint/2010/main" spd="slow" p14:dur="2000">
+        <p159:morph option="byObject"/>
+      </p:transition>
+    </mc:Choice>
+    <mc:Fallback>
+      <p:transition spd="slow">
+        <p:fade/>
+      </p:transition>
+    </mc:Fallback>
+  </mc:AlternateContent>
+</p:sld>
+</file>
+
+<file path=ppt/slides/slide10.xml><?xml version="1.0" encoding="utf-8"?>
+<p:sld xmlns:a="http://schemas.openxmlformats.org/drawingml/2006/main" xmlns:r="http://schemas.openxmlformats.org/officeDocument/2006/relationships" xmlns:p="http://schemas.openxmlformats.org/presentationml/2006/main">
+  <p:cSld>
+    <p:spTree>
+      <p:nvGrpSpPr>
+        <p:cNvPr id="1" name=""/>
+        <p:cNvGrpSpPr/>
+        <p:nvPr/>
+      </p:nvGrpSpPr>
+      <p:grpSpPr>
+        <a:xfrm>
+          <a:off x="0" y="0"/>
+          <a:ext cx="0" cy="0"/>
+          <a:chOff x="0" y="0"/>
+          <a:chExt cx="0" cy="0"/>
+        </a:xfrm>
+      </p:grpSpPr>
+      <p:sp>
+        <p:nvSpPr>
+          <p:cNvPr id="2" name="標題 1">
+            <a:extLst>
+              <a:ext uri="{FF2B5EF4-FFF2-40B4-BE49-F238E27FC236}">
+                <a16:creationId xmlns:a16="http://schemas.microsoft.com/office/drawing/2014/main" id="{8CCEFCA3-1179-49D5-AB87-F5F86FAC5101}"/>
+              </a:ext>
+            </a:extLst>
+          </p:cNvPr>
+          <p:cNvSpPr>
+            <a:spLocks noGrp="1"/>
+          </p:cNvSpPr>
+          <p:nvPr>
+            <p:ph type="title"/>
+          </p:nvPr>
+        </p:nvSpPr>
+        <p:spPr/>
+        <p:txBody>
+          <a:bodyPr/>
+          <a:lstStyle/>
+          <a:p>
+            <a:r>
+              <a:rPr lang="en-US" altLang="zh-TW" b="1" dirty="0"/>
+              <a:t>6. </a:t>
+            </a:r>
+            <a:r>
+              <a:rPr lang="zh-TW" altLang="en-US" b="1" dirty="0"/>
+              <a:t>轉彎</a:t>
+            </a:r>
+          </a:p>
+        </p:txBody>
+      </p:sp>
+      <p:pic>
+        <p:nvPicPr>
+          <p:cNvPr id="5" name="圖片 4">
+            <a:extLst>
+              <a:ext uri="{FF2B5EF4-FFF2-40B4-BE49-F238E27FC236}">
+                <a16:creationId xmlns:a16="http://schemas.microsoft.com/office/drawing/2014/main" id="{BA4BCDEB-89F5-4A08-8069-10755656D7EC}"/>
+              </a:ext>
+            </a:extLst>
+          </p:cNvPr>
+          <p:cNvPicPr>
+            <a:picLocks noChangeAspect="1"/>
+          </p:cNvPicPr>
+          <p:nvPr/>
+        </p:nvPicPr>
+        <p:blipFill>
+          <a:blip r:embed="rId3">
+            <a:extLst>
+              <a:ext uri="{28A0092B-C50C-407E-A947-70E740481C1C}">
+                <a14:useLocalDpi xmlns:a14="http://schemas.microsoft.com/office/drawing/2010/main" val="0"/>
+              </a:ext>
+            </a:extLst>
+          </a:blip>
+          <a:stretch>
+            <a:fillRect/>
+          </a:stretch>
+        </p:blipFill>
+        <p:spPr>
+          <a:xfrm>
+            <a:off x="1556400" y="1690688"/>
+            <a:ext cx="4539600" cy="4539600"/>
+          </a:xfrm>
+          <a:prstGeom prst="rect">
+            <a:avLst/>
+          </a:prstGeom>
+        </p:spPr>
+      </p:pic>
+    </p:spTree>
+    <p:extLst>
+      <p:ext uri="{BB962C8B-B14F-4D97-AF65-F5344CB8AC3E}">
+        <p14:creationId xmlns:p14="http://schemas.microsoft.com/office/powerpoint/2010/main" val="649374036"/>
+      </p:ext>
+    </p:extLst>
+  </p:cSld>
+  <p:clrMapOvr>
+    <a:masterClrMapping/>
+  </p:clrMapOvr>
+  <mc:AlternateContent xmlns:mc="http://schemas.openxmlformats.org/markup-compatibility/2006">
+    <mc:Choice xmlns:p159="http://schemas.microsoft.com/office/powerpoint/2015/09/main" Requires="p159">
+      <p:transition xmlns:p14="http://schemas.microsoft.com/office/powerpoint/2010/main" spd="slow" p14:dur="2000">
+        <p159:morph option="byObject"/>
+      </p:transition>
+    </mc:Choice>
+    <mc:Fallback>
+      <p:transition spd="slow">
+        <p:fade/>
+      </p:transition>
+    </mc:Fallback>
+  </mc:AlternateContent>
+</p:sld>
+</file>
+
+<file path=ppt/slides/slide11.xml><?xml version="1.0" encoding="utf-8"?>
+<p:sld xmlns:a="http://schemas.openxmlformats.org/drawingml/2006/main" xmlns:r="http://schemas.openxmlformats.org/officeDocument/2006/relationships" xmlns:p="http://schemas.openxmlformats.org/presentationml/2006/main">
+  <p:cSld>
+    <p:spTree>
+      <p:nvGrpSpPr>
+        <p:cNvPr id="1" name=""/>
+        <p:cNvGrpSpPr/>
+        <p:nvPr/>
+      </p:nvGrpSpPr>
+      <p:grpSpPr>
+        <a:xfrm>
+          <a:off x="0" y="0"/>
+          <a:ext cx="0" cy="0"/>
+          <a:chOff x="0" y="0"/>
+          <a:chExt cx="0" cy="0"/>
+        </a:xfrm>
+      </p:grpSpPr>
+      <p:sp>
+        <p:nvSpPr>
+          <p:cNvPr id="2" name="標題 1">
+            <a:extLst>
+              <a:ext uri="{FF2B5EF4-FFF2-40B4-BE49-F238E27FC236}">
+                <a16:creationId xmlns:a16="http://schemas.microsoft.com/office/drawing/2014/main" id="{E3A8C4EB-C69D-4C8B-9D3F-37172B214473}"/>
+              </a:ext>
+            </a:extLst>
+          </p:cNvPr>
+          <p:cNvSpPr>
+            <a:spLocks noGrp="1"/>
+          </p:cNvSpPr>
+          <p:nvPr>
+            <p:ph type="title"/>
+          </p:nvPr>
+        </p:nvSpPr>
+        <p:spPr/>
+        <p:txBody>
+          <a:bodyPr/>
+          <a:lstStyle/>
+          <a:p>
+            <a:r>
+              <a:rPr lang="en-US" altLang="zh-TW" b="1" dirty="0"/>
+              <a:t>7. </a:t>
+            </a:r>
+            <a:r>
+              <a:rPr lang="zh-TW" altLang="en-US" b="1" dirty="0"/>
+              <a:t>結局</a:t>
+            </a:r>
+          </a:p>
+        </p:txBody>
+      </p:sp>
+      <p:pic>
+        <p:nvPicPr>
+          <p:cNvPr id="5" name="圖片 4">
+            <a:extLst>
+              <a:ext uri="{FF2B5EF4-FFF2-40B4-BE49-F238E27FC236}">
+                <a16:creationId xmlns:a16="http://schemas.microsoft.com/office/drawing/2014/main" id="{3799BF63-E3B2-4955-960C-A38DE3AC408C}"/>
+              </a:ext>
+            </a:extLst>
+          </p:cNvPr>
+          <p:cNvPicPr>
+            <a:picLocks noChangeAspect="1"/>
+          </p:cNvPicPr>
+          <p:nvPr/>
+        </p:nvPicPr>
+        <p:blipFill>
+          <a:blip r:embed="rId3">
+            <a:extLst>
+              <a:ext uri="{28A0092B-C50C-407E-A947-70E740481C1C}">
+                <a14:useLocalDpi xmlns:a14="http://schemas.microsoft.com/office/drawing/2010/main" val="0"/>
+              </a:ext>
+            </a:extLst>
+          </a:blip>
+          <a:stretch>
+            <a:fillRect/>
+          </a:stretch>
+        </p:blipFill>
+        <p:spPr>
+          <a:xfrm>
+            <a:off x="1556400" y="1690688"/>
+            <a:ext cx="4539600" cy="4539600"/>
+          </a:xfrm>
+          <a:prstGeom prst="rect">
+            <a:avLst/>
+          </a:prstGeom>
+        </p:spPr>
+      </p:pic>
+    </p:spTree>
+    <p:extLst>
+      <p:ext uri="{BB962C8B-B14F-4D97-AF65-F5344CB8AC3E}">
+        <p14:creationId xmlns:p14="http://schemas.microsoft.com/office/powerpoint/2010/main" val="1281366513"/>
+      </p:ext>
+    </p:extLst>
+  </p:cSld>
+  <p:clrMapOvr>
+    <a:masterClrMapping/>
+  </p:clrMapOvr>
+  <mc:AlternateContent xmlns:mc="http://schemas.openxmlformats.org/markup-compatibility/2006">
+    <mc:Choice xmlns:p159="http://schemas.microsoft.com/office/powerpoint/2015/09/main" Requires="p159">
+      <p:transition xmlns:p14="http://schemas.microsoft.com/office/powerpoint/2010/main" spd="slow" p14:dur="2000">
+        <p159:morph option="byObject"/>
+      </p:transition>
+    </mc:Choice>
+    <mc:Fallback>
+      <p:transition spd="slow">
+        <p:fade/>
+      </p:transition>
+    </mc:Fallback>
+  </mc:AlternateContent>
+</p:sld>
+</file>
+
+<file path=ppt/slides/slide2.xml><?xml version="1.0" encoding="utf-8"?>
+<p:sld xmlns:a="http://schemas.openxmlformats.org/drawingml/2006/main" xmlns:r="http://schemas.openxmlformats.org/officeDocument/2006/relationships" xmlns:p="http://schemas.openxmlformats.org/presentationml/2006/main">
+  <p:cSld>
+    <p:spTree>
+      <p:nvGrpSpPr>
+        <p:cNvPr id="1" name=""/>
+        <p:cNvGrpSpPr/>
+        <p:nvPr/>
+      </p:nvGrpSpPr>
+      <p:grpSpPr>
+        <a:xfrm>
+          <a:off x="0" y="0"/>
+          <a:ext cx="0" cy="0"/>
+          <a:chOff x="0" y="0"/>
+          <a:chExt cx="0" cy="0"/>
+        </a:xfrm>
+      </p:grpSpPr>
+      <p:sp>
+        <p:nvSpPr>
+          <p:cNvPr id="2" name="標題 1">
+            <a:extLst>
+              <a:ext uri="{FF2B5EF4-FFF2-40B4-BE49-F238E27FC236}">
+                <a16:creationId xmlns:a16="http://schemas.microsoft.com/office/drawing/2014/main" id="{8AFBA93E-5B8B-4808-9181-F958F4A88AA7}"/>
+              </a:ext>
+            </a:extLst>
+          </p:cNvPr>
+          <p:cNvSpPr>
+            <a:spLocks noGrp="1"/>
+          </p:cNvSpPr>
+          <p:nvPr>
+            <p:ph type="title"/>
+          </p:nvPr>
+        </p:nvSpPr>
+        <p:spPr/>
+        <p:txBody>
+          <a:bodyPr/>
+          <a:lstStyle/>
+          <a:p>
+            <a:r>
+              <a:rPr lang="en-US" altLang="zh-TW" b="1" dirty="0"/>
+              <a:t>1. </a:t>
+            </a:r>
+            <a:r>
+              <a:rPr lang="zh-TW" altLang="en-US" b="1" dirty="0"/>
+              <a:t>目標</a:t>
+            </a:r>
+          </a:p>
+        </p:txBody>
+      </p:sp>
+      <p:pic>
+        <p:nvPicPr>
+          <p:cNvPr id="5" name="圖片 4">
+            <a:extLst>
+              <a:ext uri="{FF2B5EF4-FFF2-40B4-BE49-F238E27FC236}">
+                <a16:creationId xmlns:a16="http://schemas.microsoft.com/office/drawing/2014/main" id="{5CAD45F9-5366-41DA-B63D-B4722E2FA296}"/>
+              </a:ext>
+            </a:extLst>
+          </p:cNvPr>
+          <p:cNvPicPr>
+            <a:picLocks noChangeAspect="1"/>
+          </p:cNvPicPr>
+          <p:nvPr/>
+        </p:nvPicPr>
+        <p:blipFill>
+          <a:blip r:embed="rId3">
+            <a:extLst>
+              <a:ext uri="{28A0092B-C50C-407E-A947-70E740481C1C}">
+                <a14:useLocalDpi xmlns:a14="http://schemas.microsoft.com/office/drawing/2010/main" val="0"/>
+              </a:ext>
+            </a:extLst>
+          </a:blip>
+          <a:stretch>
+            <a:fillRect/>
+          </a:stretch>
+        </p:blipFill>
+        <p:spPr>
+          <a:xfrm>
+            <a:off x="1556400" y="1690688"/>
+            <a:ext cx="4539600" cy="4539600"/>
+          </a:xfrm>
+          <a:prstGeom prst="rect">
+            <a:avLst/>
+          </a:prstGeom>
+        </p:spPr>
+      </p:pic>
+    </p:spTree>
+    <p:extLst>
+      <p:ext uri="{BB962C8B-B14F-4D97-AF65-F5344CB8AC3E}">
+        <p14:creationId xmlns:p14="http://schemas.microsoft.com/office/powerpoint/2010/main" val="2274345880"/>
+      </p:ext>
+    </p:extLst>
+  </p:cSld>
+  <p:clrMapOvr>
+    <a:masterClrMapping/>
+  </p:clrMapOvr>
+  <mc:AlternateContent xmlns:mc="http://schemas.openxmlformats.org/markup-compatibility/2006">
+    <mc:Choice xmlns:p159="http://schemas.microsoft.com/office/powerpoint/2015/09/main" Requires="p159">
+      <p:transition xmlns:p14="http://schemas.microsoft.com/office/powerpoint/2010/main" spd="slow" p14:dur="2000">
+        <p159:morph option="byObject"/>
+      </p:transition>
+    </mc:Choice>
+    <mc:Fallback>
+      <p:transition spd="slow">
+        <p:fade/>
+      </p:transition>
+    </mc:Fallback>
+  </mc:AlternateContent>
+</p:sld>
+</file>
+
+<file path=ppt/slides/slide3.xml><?xml version="1.0" encoding="utf-8"?>
+<p:sld xmlns:a="http://schemas.openxmlformats.org/drawingml/2006/main" xmlns:r="http://schemas.openxmlformats.org/officeDocument/2006/relationships" xmlns:p="http://schemas.openxmlformats.org/presentationml/2006/main">
+  <p:cSld>
+    <p:spTree>
+      <p:nvGrpSpPr>
+        <p:cNvPr id="1" name=""/>
+        <p:cNvGrpSpPr/>
+        <p:nvPr/>
+      </p:nvGrpSpPr>
+      <p:grpSpPr>
+        <a:xfrm>
+          <a:off x="0" y="0"/>
+          <a:ext cx="0" cy="0"/>
+          <a:chOff x="0" y="0"/>
+          <a:chExt cx="0" cy="0"/>
+        </a:xfrm>
+      </p:grpSpPr>
+      <p:sp>
+        <p:nvSpPr>
+          <p:cNvPr id="2" name="標題 1">
+            <a:extLst>
+              <a:ext uri="{FF2B5EF4-FFF2-40B4-BE49-F238E27FC236}">
+                <a16:creationId xmlns:a16="http://schemas.microsoft.com/office/drawing/2014/main" id="{5D6C0450-8605-4BE5-9039-C10300B63AB2}"/>
+              </a:ext>
+            </a:extLst>
+          </p:cNvPr>
+          <p:cNvSpPr>
+            <a:spLocks noGrp="1"/>
+          </p:cNvSpPr>
+          <p:nvPr>
+            <p:ph type="title"/>
+          </p:nvPr>
+        </p:nvSpPr>
+        <p:spPr/>
+        <p:txBody>
+          <a:bodyPr/>
+          <a:lstStyle/>
+          <a:p>
+            <a:r>
+              <a:rPr lang="en-US" altLang="zh-TW" b="1" dirty="0"/>
+              <a:t>2. </a:t>
+            </a:r>
+            <a:r>
+              <a:rPr lang="zh-TW" altLang="en-US" b="1" dirty="0"/>
+              <a:t>阻礙</a:t>
+            </a:r>
+          </a:p>
+        </p:txBody>
+      </p:sp>
+      <p:pic>
+        <p:nvPicPr>
+          <p:cNvPr id="5" name="圖片 4">
+            <a:extLst>
+              <a:ext uri="{FF2B5EF4-FFF2-40B4-BE49-F238E27FC236}">
+                <a16:creationId xmlns:a16="http://schemas.microsoft.com/office/drawing/2014/main" id="{800B580C-AEF7-4245-9687-1EF72BA4B934}"/>
+              </a:ext>
+            </a:extLst>
+          </p:cNvPr>
+          <p:cNvPicPr>
+            <a:picLocks noChangeAspect="1"/>
+          </p:cNvPicPr>
+          <p:nvPr/>
+        </p:nvPicPr>
+        <p:blipFill>
+          <a:blip r:embed="rId3">
+            <a:extLst>
+              <a:ext uri="{28A0092B-C50C-407E-A947-70E740481C1C}">
+                <a14:useLocalDpi xmlns:a14="http://schemas.microsoft.com/office/drawing/2010/main" val="0"/>
+              </a:ext>
+            </a:extLst>
+          </a:blip>
+          <a:stretch>
+            <a:fillRect/>
+          </a:stretch>
+        </p:blipFill>
+        <p:spPr>
+          <a:xfrm>
+            <a:off x="1556400" y="1690688"/>
+            <a:ext cx="4539600" cy="4539600"/>
+          </a:xfrm>
+          <a:prstGeom prst="rect">
+            <a:avLst/>
+          </a:prstGeom>
+        </p:spPr>
+      </p:pic>
+    </p:spTree>
+    <p:extLst>
+      <p:ext uri="{BB962C8B-B14F-4D97-AF65-F5344CB8AC3E}">
+        <p14:creationId xmlns:p14="http://schemas.microsoft.com/office/powerpoint/2010/main" val="2636688530"/>
+      </p:ext>
+    </p:extLst>
+  </p:cSld>
+  <p:clrMapOvr>
+    <a:masterClrMapping/>
+  </p:clrMapOvr>
+  <mc:AlternateContent xmlns:mc="http://schemas.openxmlformats.org/markup-compatibility/2006">
+    <mc:Choice xmlns:p159="http://schemas.microsoft.com/office/powerpoint/2015/09/main" Requires="p159">
+      <p:transition xmlns:p14="http://schemas.microsoft.com/office/powerpoint/2010/main" spd="slow" p14:dur="2000">
+        <p159:morph option="byObject"/>
+      </p:transition>
+    </mc:Choice>
+    <mc:Fallback>
+      <p:transition spd="slow">
+        <p:fade/>
+      </p:transition>
+    </mc:Fallback>
+  </mc:AlternateContent>
+</p:sld>
+</file>
+
+<file path=ppt/slides/slide4.xml><?xml version="1.0" encoding="utf-8"?>
+<p:sld xmlns:a="http://schemas.openxmlformats.org/drawingml/2006/main" xmlns:r="http://schemas.openxmlformats.org/officeDocument/2006/relationships" xmlns:p="http://schemas.openxmlformats.org/presentationml/2006/main">
+  <p:cSld>
+    <p:spTree>
+      <p:nvGrpSpPr>
+        <p:cNvPr id="1" name=""/>
+        <p:cNvGrpSpPr/>
+        <p:nvPr/>
+      </p:nvGrpSpPr>
+      <p:grpSpPr>
+        <a:xfrm>
+          <a:off x="0" y="0"/>
+          <a:ext cx="0" cy="0"/>
+          <a:chOff x="0" y="0"/>
+          <a:chExt cx="0" cy="0"/>
+        </a:xfrm>
+      </p:grpSpPr>
+      <p:sp>
+        <p:nvSpPr>
+          <p:cNvPr id="2" name="標題 1">
+            <a:extLst>
+              <a:ext uri="{FF2B5EF4-FFF2-40B4-BE49-F238E27FC236}">
+                <a16:creationId xmlns:a16="http://schemas.microsoft.com/office/drawing/2014/main" id="{5D6C0450-8605-4BE5-9039-C10300B63AB2}"/>
+              </a:ext>
+            </a:extLst>
+          </p:cNvPr>
+          <p:cNvSpPr>
+            <a:spLocks noGrp="1"/>
+          </p:cNvSpPr>
+          <p:nvPr>
+            <p:ph type="title"/>
+          </p:nvPr>
+        </p:nvSpPr>
+        <p:spPr/>
+        <p:txBody>
+          <a:bodyPr/>
+          <a:lstStyle/>
+          <a:p>
+            <a:r>
+              <a:rPr lang="en-US" altLang="zh-TW" b="1" dirty="0"/>
+              <a:t>2. </a:t>
+            </a:r>
+            <a:r>
+              <a:rPr lang="zh-TW" altLang="en-US" b="1" dirty="0"/>
+              <a:t>阻礙</a:t>
+            </a:r>
+          </a:p>
+        </p:txBody>
+      </p:sp>
+      <p:pic>
+        <p:nvPicPr>
+          <p:cNvPr id="4" name="圖片 3">
+            <a:extLst>
+              <a:ext uri="{FF2B5EF4-FFF2-40B4-BE49-F238E27FC236}">
+                <a16:creationId xmlns:a16="http://schemas.microsoft.com/office/drawing/2014/main" id="{3969175F-A4FB-4D37-AA83-3436AC105DF5}"/>
+              </a:ext>
+            </a:extLst>
+          </p:cNvPr>
+          <p:cNvPicPr>
+            <a:picLocks noChangeAspect="1"/>
+          </p:cNvPicPr>
+          <p:nvPr/>
+        </p:nvPicPr>
+        <p:blipFill>
+          <a:blip r:embed="rId3">
+            <a:extLst>
+              <a:ext uri="{28A0092B-C50C-407E-A947-70E740481C1C}">
+                <a14:useLocalDpi xmlns:a14="http://schemas.microsoft.com/office/drawing/2010/main" val="0"/>
+              </a:ext>
+            </a:extLst>
+          </a:blip>
+          <a:stretch>
+            <a:fillRect/>
+          </a:stretch>
+        </p:blipFill>
+        <p:spPr>
+          <a:xfrm>
+            <a:off x="1556400" y="1690688"/>
+            <a:ext cx="4539600" cy="4539600"/>
+          </a:xfrm>
+          <a:prstGeom prst="rect">
+            <a:avLst/>
+          </a:prstGeom>
+        </p:spPr>
+      </p:pic>
+    </p:spTree>
+    <p:extLst>
+      <p:ext uri="{BB962C8B-B14F-4D97-AF65-F5344CB8AC3E}">
+        <p14:creationId xmlns:p14="http://schemas.microsoft.com/office/powerpoint/2010/main" val="3889392814"/>
+      </p:ext>
+    </p:extLst>
+  </p:cSld>
+  <p:clrMapOvr>
+    <a:masterClrMapping/>
+  </p:clrMapOvr>
+  <mc:AlternateContent xmlns:mc="http://schemas.openxmlformats.org/markup-compatibility/2006">
+    <mc:Choice xmlns:p159="http://schemas.microsoft.com/office/powerpoint/2015/09/main" Requires="p159">
+      <p:transition xmlns:p14="http://schemas.microsoft.com/office/powerpoint/2010/main" spd="slow" p14:dur="2000">
+        <p159:morph option="byObject"/>
+      </p:transition>
+    </mc:Choice>
+    <mc:Fallback>
+      <p:transition spd="slow">
+        <p:fade/>
+      </p:transition>
+    </mc:Fallback>
+  </mc:AlternateContent>
+</p:sld>
+</file>
+
+<file path=ppt/slides/slide5.xml><?xml version="1.0" encoding="utf-8"?>
+<p:sld xmlns:a="http://schemas.openxmlformats.org/drawingml/2006/main" xmlns:r="http://schemas.openxmlformats.org/officeDocument/2006/relationships" xmlns:p="http://schemas.openxmlformats.org/presentationml/2006/main">
+  <p:cSld>
+    <p:spTree>
+      <p:nvGrpSpPr>
+        <p:cNvPr id="1" name=""/>
+        <p:cNvGrpSpPr/>
+        <p:nvPr/>
+      </p:nvGrpSpPr>
+      <p:grpSpPr>
+        <a:xfrm>
+          <a:off x="0" y="0"/>
+          <a:ext cx="0" cy="0"/>
+          <a:chOff x="0" y="0"/>
+          <a:chExt cx="0" cy="0"/>
+        </a:xfrm>
+      </p:grpSpPr>
+      <p:sp>
+        <p:nvSpPr>
+          <p:cNvPr id="2" name="標題 1">
+            <a:extLst>
+              <a:ext uri="{FF2B5EF4-FFF2-40B4-BE49-F238E27FC236}">
+                <a16:creationId xmlns:a16="http://schemas.microsoft.com/office/drawing/2014/main" id="{AF6F3BDA-F2D1-4253-B079-A4B00FD35A16}"/>
+              </a:ext>
+            </a:extLst>
+          </p:cNvPr>
+          <p:cNvSpPr>
+            <a:spLocks noGrp="1"/>
+          </p:cNvSpPr>
+          <p:nvPr>
+            <p:ph type="title"/>
+          </p:nvPr>
+        </p:nvSpPr>
+        <p:spPr/>
+        <p:txBody>
+          <a:bodyPr/>
+          <a:lstStyle/>
+          <a:p>
+            <a:r>
+              <a:rPr lang="en-US" altLang="zh-TW" b="1" dirty="0"/>
+              <a:t>3. </a:t>
+            </a:r>
+            <a:r>
+              <a:rPr lang="zh-TW" altLang="en-US" b="1" dirty="0"/>
+              <a:t>努力</a:t>
+            </a:r>
+          </a:p>
+        </p:txBody>
+      </p:sp>
+      <p:pic>
+        <p:nvPicPr>
+          <p:cNvPr id="5" name="圖片 4">
+            <a:extLst>
+              <a:ext uri="{FF2B5EF4-FFF2-40B4-BE49-F238E27FC236}">
+                <a16:creationId xmlns:a16="http://schemas.microsoft.com/office/drawing/2014/main" id="{4DF41466-478B-4ABB-B0B1-4C114CF3E992}"/>
+              </a:ext>
+            </a:extLst>
+          </p:cNvPr>
+          <p:cNvPicPr>
+            <a:picLocks noChangeAspect="1"/>
+          </p:cNvPicPr>
+          <p:nvPr/>
+        </p:nvPicPr>
+        <p:blipFill>
+          <a:blip r:embed="rId3">
+            <a:extLst>
+              <a:ext uri="{28A0092B-C50C-407E-A947-70E740481C1C}">
+                <a14:useLocalDpi xmlns:a14="http://schemas.microsoft.com/office/drawing/2010/main" val="0"/>
+              </a:ext>
+            </a:extLst>
+          </a:blip>
+          <a:stretch>
+            <a:fillRect/>
+          </a:stretch>
+        </p:blipFill>
+        <p:spPr>
+          <a:xfrm>
+            <a:off x="1556400" y="1690688"/>
+            <a:ext cx="4539600" cy="4539600"/>
+          </a:xfrm>
+          <a:prstGeom prst="rect">
+            <a:avLst/>
+          </a:prstGeom>
+        </p:spPr>
+      </p:pic>
+    </p:spTree>
+    <p:extLst>
+      <p:ext uri="{BB962C8B-B14F-4D97-AF65-F5344CB8AC3E}">
+        <p14:creationId xmlns:p14="http://schemas.microsoft.com/office/powerpoint/2010/main" val="1191626124"/>
+      </p:ext>
+    </p:extLst>
+  </p:cSld>
+  <p:clrMapOvr>
+    <a:masterClrMapping/>
+  </p:clrMapOvr>
+  <mc:AlternateContent xmlns:mc="http://schemas.openxmlformats.org/markup-compatibility/2006">
+    <mc:Choice xmlns:p159="http://schemas.microsoft.com/office/powerpoint/2015/09/main" Requires="p159">
+      <p:transition xmlns:p14="http://schemas.microsoft.com/office/powerpoint/2010/main" spd="slow" p14:dur="2000">
+        <p159:morph option="byObject"/>
+      </p:transition>
+    </mc:Choice>
+    <mc:Fallback>
+      <p:transition spd="slow">
+        <p:fade/>
+      </p:transition>
+    </mc:Fallback>
+  </mc:AlternateContent>
+</p:sld>
+</file>
+
+<file path=ppt/slides/slide6.xml><?xml version="1.0" encoding="utf-8"?>
+<p:sld xmlns:a="http://schemas.openxmlformats.org/drawingml/2006/main" xmlns:r="http://schemas.openxmlformats.org/officeDocument/2006/relationships" xmlns:p="http://schemas.openxmlformats.org/presentationml/2006/main">
+  <p:cSld>
+    <p:spTree>
+      <p:nvGrpSpPr>
+        <p:cNvPr id="1" name=""/>
+        <p:cNvGrpSpPr/>
+        <p:nvPr/>
+      </p:nvGrpSpPr>
+      <p:grpSpPr>
+        <a:xfrm>
+          <a:off x="0" y="0"/>
+          <a:ext cx="0" cy="0"/>
+          <a:chOff x="0" y="0"/>
+          <a:chExt cx="0" cy="0"/>
+        </a:xfrm>
+      </p:grpSpPr>
+      <p:sp>
+        <p:nvSpPr>
+          <p:cNvPr id="2" name="標題 1">
+            <a:extLst>
+              <a:ext uri="{FF2B5EF4-FFF2-40B4-BE49-F238E27FC236}">
+                <a16:creationId xmlns:a16="http://schemas.microsoft.com/office/drawing/2014/main" id="{AF6F3BDA-F2D1-4253-B079-A4B00FD35A16}"/>
+              </a:ext>
+            </a:extLst>
+          </p:cNvPr>
+          <p:cNvSpPr>
+            <a:spLocks noGrp="1"/>
+          </p:cNvSpPr>
+          <p:nvPr>
+            <p:ph type="title"/>
+          </p:nvPr>
+        </p:nvSpPr>
+        <p:spPr/>
+        <p:txBody>
+          <a:bodyPr/>
+          <a:lstStyle/>
+          <a:p>
+            <a:r>
+              <a:rPr lang="en-US" altLang="zh-TW" b="1" dirty="0"/>
+              <a:t>3. </a:t>
+            </a:r>
+            <a:r>
+              <a:rPr lang="zh-TW" altLang="en-US" b="1" dirty="0"/>
+              <a:t>努力</a:t>
+            </a:r>
+          </a:p>
+        </p:txBody>
+      </p:sp>
+      <p:pic>
+        <p:nvPicPr>
+          <p:cNvPr id="4" name="圖片 3">
+            <a:extLst>
+              <a:ext uri="{FF2B5EF4-FFF2-40B4-BE49-F238E27FC236}">
+                <a16:creationId xmlns:a16="http://schemas.microsoft.com/office/drawing/2014/main" id="{BFB3D51F-C22D-4159-B02C-AB9D39D9B8BD}"/>
+              </a:ext>
+            </a:extLst>
+          </p:cNvPr>
+          <p:cNvPicPr>
+            <a:picLocks noChangeAspect="1"/>
+          </p:cNvPicPr>
+          <p:nvPr/>
+        </p:nvPicPr>
+        <p:blipFill>
+          <a:blip r:embed="rId3">
+            <a:extLst>
+              <a:ext uri="{28A0092B-C50C-407E-A947-70E740481C1C}">
+                <a14:useLocalDpi xmlns:a14="http://schemas.microsoft.com/office/drawing/2010/main" val="0"/>
+              </a:ext>
+            </a:extLst>
+          </a:blip>
+          <a:stretch>
+            <a:fillRect/>
+          </a:stretch>
+        </p:blipFill>
+        <p:spPr>
+          <a:xfrm>
+            <a:off x="1556400" y="1690688"/>
+            <a:ext cx="4539600" cy="4539600"/>
+          </a:xfrm>
+          <a:prstGeom prst="rect">
+            <a:avLst/>
+          </a:prstGeom>
+        </p:spPr>
+      </p:pic>
+    </p:spTree>
+    <p:extLst>
+      <p:ext uri="{BB962C8B-B14F-4D97-AF65-F5344CB8AC3E}">
+        <p14:creationId xmlns:p14="http://schemas.microsoft.com/office/powerpoint/2010/main" val="3740658757"/>
+      </p:ext>
+    </p:extLst>
+  </p:cSld>
+  <p:clrMapOvr>
+    <a:masterClrMapping/>
+  </p:clrMapOvr>
+  <mc:AlternateContent xmlns:mc="http://schemas.openxmlformats.org/markup-compatibility/2006">
+    <mc:Choice xmlns:p159="http://schemas.microsoft.com/office/powerpoint/2015/09/main" Requires="p159">
+      <p:transition xmlns:p14="http://schemas.microsoft.com/office/powerpoint/2010/main" spd="slow" p14:dur="2000">
+        <p159:morph option="byObject"/>
+      </p:transition>
+    </mc:Choice>
+    <mc:Fallback>
+      <p:transition spd="slow">
+        <p:fade/>
+      </p:transition>
+    </mc:Fallback>
+  </mc:AlternateContent>
+</p:sld>
+</file>
+
+<file path=ppt/slides/slide7.xml><?xml version="1.0" encoding="utf-8"?>
+<p:sld xmlns:a="http://schemas.openxmlformats.org/drawingml/2006/main" xmlns:r="http://schemas.openxmlformats.org/officeDocument/2006/relationships" xmlns:p="http://schemas.openxmlformats.org/presentationml/2006/main">
+  <p:cSld>
+    <p:spTree>
+      <p:nvGrpSpPr>
+        <p:cNvPr id="1" name=""/>
+        <p:cNvGrpSpPr/>
+        <p:nvPr/>
+      </p:nvGrpSpPr>
+      <p:grpSpPr>
+        <a:xfrm>
+          <a:off x="0" y="0"/>
+          <a:ext cx="0" cy="0"/>
+          <a:chOff x="0" y="0"/>
+          <a:chExt cx="0" cy="0"/>
+        </a:xfrm>
+      </p:grpSpPr>
+      <p:sp>
+        <p:nvSpPr>
+          <p:cNvPr id="2" name="標題 1">
+            <a:extLst>
+              <a:ext uri="{FF2B5EF4-FFF2-40B4-BE49-F238E27FC236}">
+                <a16:creationId xmlns:a16="http://schemas.microsoft.com/office/drawing/2014/main" id="{AF6F3BDA-F2D1-4253-B079-A4B00FD35A16}"/>
+              </a:ext>
+            </a:extLst>
+          </p:cNvPr>
+          <p:cNvSpPr>
+            <a:spLocks noGrp="1"/>
+          </p:cNvSpPr>
+          <p:nvPr>
+            <p:ph type="title"/>
+          </p:nvPr>
+        </p:nvSpPr>
+        <p:spPr/>
+        <p:txBody>
+          <a:bodyPr/>
+          <a:lstStyle/>
+          <a:p>
+            <a:r>
+              <a:rPr lang="en-US" altLang="zh-TW" b="1" dirty="0"/>
+              <a:t>3. </a:t>
+            </a:r>
+            <a:r>
+              <a:rPr lang="zh-TW" altLang="en-US" b="1" dirty="0"/>
+              <a:t>努力</a:t>
+            </a:r>
+          </a:p>
+        </p:txBody>
+      </p:sp>
+      <p:pic>
+        <p:nvPicPr>
+          <p:cNvPr id="4" name="圖片 3">
+            <a:extLst>
+              <a:ext uri="{FF2B5EF4-FFF2-40B4-BE49-F238E27FC236}">
+                <a16:creationId xmlns:a16="http://schemas.microsoft.com/office/drawing/2014/main" id="{BD19D239-AF95-4F52-A033-FAEB7AC502D0}"/>
+              </a:ext>
+            </a:extLst>
+          </p:cNvPr>
+          <p:cNvPicPr>
+            <a:picLocks noChangeAspect="1"/>
+          </p:cNvPicPr>
+          <p:nvPr/>
+        </p:nvPicPr>
+        <p:blipFill>
+          <a:blip r:embed="rId3">
+            <a:extLst>
+              <a:ext uri="{28A0092B-C50C-407E-A947-70E740481C1C}">
+                <a14:useLocalDpi xmlns:a14="http://schemas.microsoft.com/office/drawing/2010/main" val="0"/>
+              </a:ext>
+            </a:extLst>
+          </a:blip>
+          <a:stretch>
+            <a:fillRect/>
+          </a:stretch>
+        </p:blipFill>
+        <p:spPr>
+          <a:xfrm>
+            <a:off x="1556400" y="1690688"/>
+            <a:ext cx="4539600" cy="4539600"/>
+          </a:xfrm>
+          <a:prstGeom prst="rect">
+            <a:avLst/>
+          </a:prstGeom>
+        </p:spPr>
+      </p:pic>
+    </p:spTree>
+    <p:extLst>
+      <p:ext uri="{BB962C8B-B14F-4D97-AF65-F5344CB8AC3E}">
+        <p14:creationId xmlns:p14="http://schemas.microsoft.com/office/powerpoint/2010/main" val="2706351148"/>
+      </p:ext>
+    </p:extLst>
+  </p:cSld>
+  <p:clrMapOvr>
+    <a:masterClrMapping/>
+  </p:clrMapOvr>
+  <mc:AlternateContent xmlns:mc="http://schemas.openxmlformats.org/markup-compatibility/2006">
+    <mc:Choice xmlns:p159="http://schemas.microsoft.com/office/powerpoint/2015/09/main" Requires="p159">
+      <p:transition xmlns:p14="http://schemas.microsoft.com/office/powerpoint/2010/main" spd="slow" p14:dur="2000">
+        <p159:morph option="byObject"/>
+      </p:transition>
+    </mc:Choice>
+    <mc:Fallback>
+      <p:transition spd="slow">
+        <p:fade/>
+      </p:transition>
+    </mc:Fallback>
+  </mc:AlternateContent>
+</p:sld>
+</file>
+
+<file path=ppt/slides/slide8.xml><?xml version="1.0" encoding="utf-8"?>
+<p:sld xmlns:a="http://schemas.openxmlformats.org/drawingml/2006/main" xmlns:r="http://schemas.openxmlformats.org/officeDocument/2006/relationships" xmlns:p="http://schemas.openxmlformats.org/presentationml/2006/main">
+  <p:cSld>
+    <p:spTree>
+      <p:nvGrpSpPr>
+        <p:cNvPr id="1" name=""/>
+        <p:cNvGrpSpPr/>
+        <p:nvPr/>
+      </p:nvGrpSpPr>
+      <p:grpSpPr>
+        <a:xfrm>
+          <a:off x="0" y="0"/>
+          <a:ext cx="0" cy="0"/>
+          <a:chOff x="0" y="0"/>
+          <a:chExt cx="0" cy="0"/>
+        </a:xfrm>
+      </p:grpSpPr>
+      <p:sp>
+        <p:nvSpPr>
+          <p:cNvPr id="2" name="標題 1">
+            <a:extLst>
+              <a:ext uri="{FF2B5EF4-FFF2-40B4-BE49-F238E27FC236}">
+                <a16:creationId xmlns:a16="http://schemas.microsoft.com/office/drawing/2014/main" id="{97E892F2-806E-4E53-8BBD-87AFF090F7A6}"/>
+              </a:ext>
+            </a:extLst>
+          </p:cNvPr>
+          <p:cNvSpPr>
+            <a:spLocks noGrp="1"/>
+          </p:cNvSpPr>
+          <p:nvPr>
+            <p:ph type="title"/>
+          </p:nvPr>
+        </p:nvSpPr>
+        <p:spPr/>
+        <p:txBody>
+          <a:bodyPr/>
+          <a:lstStyle/>
+          <a:p>
+            <a:r>
+              <a:rPr lang="en-US" altLang="zh-TW" b="1" dirty="0"/>
+              <a:t>4. </a:t>
+            </a:r>
+            <a:r>
+              <a:rPr lang="zh-TW" altLang="en-US" b="1" dirty="0"/>
+              <a:t>結果</a:t>
+            </a:r>
+          </a:p>
+        </p:txBody>
+      </p:sp>
+      <p:pic>
+        <p:nvPicPr>
+          <p:cNvPr id="5" name="圖片 4">
+            <a:extLst>
+              <a:ext uri="{FF2B5EF4-FFF2-40B4-BE49-F238E27FC236}">
+                <a16:creationId xmlns:a16="http://schemas.microsoft.com/office/drawing/2014/main" id="{552AF019-556D-4BC0-9B7A-8DB55E8643CD}"/>
+              </a:ext>
+            </a:extLst>
+          </p:cNvPr>
+          <p:cNvPicPr>
+            <a:picLocks noChangeAspect="1"/>
+          </p:cNvPicPr>
+          <p:nvPr/>
+        </p:nvPicPr>
+        <p:blipFill>
+          <a:blip r:embed="rId3">
+            <a:extLst>
+              <a:ext uri="{28A0092B-C50C-407E-A947-70E740481C1C}">
+                <a14:useLocalDpi xmlns:a14="http://schemas.microsoft.com/office/drawing/2010/main" val="0"/>
+              </a:ext>
+            </a:extLst>
+          </a:blip>
+          <a:stretch>
+            <a:fillRect/>
+          </a:stretch>
+        </p:blipFill>
+        <p:spPr>
+          <a:xfrm>
+            <a:off x="1556400" y="1690688"/>
+            <a:ext cx="4539600" cy="4539600"/>
+          </a:xfrm>
+          <a:prstGeom prst="rect">
+            <a:avLst/>
+          </a:prstGeom>
+        </p:spPr>
+      </p:pic>
+    </p:spTree>
+    <p:extLst>
+      <p:ext uri="{BB962C8B-B14F-4D97-AF65-F5344CB8AC3E}">
+        <p14:creationId xmlns:p14="http://schemas.microsoft.com/office/powerpoint/2010/main" val="1746473009"/>
+      </p:ext>
+    </p:extLst>
+  </p:cSld>
+  <p:clrMapOvr>
+    <a:masterClrMapping/>
+  </p:clrMapOvr>
+  <mc:AlternateContent xmlns:mc="http://schemas.openxmlformats.org/markup-compatibility/2006">
+    <mc:Choice xmlns:p159="http://schemas.microsoft.com/office/powerpoint/2015/09/main" Requires="p159">
+      <p:transition xmlns:p14="http://schemas.microsoft.com/office/powerpoint/2010/main" spd="slow" p14:dur="2000">
+        <p159:morph option="byObject"/>
+      </p:transition>
+    </mc:Choice>
+    <mc:Fallback>
+      <p:transition spd="slow">
+        <p:fade/>
+      </p:transition>
+    </mc:Fallback>
+  </mc:AlternateContent>
+</p:sld>
+</file>
+
+<file path=ppt/slides/slide9.xml><?xml version="1.0" encoding="utf-8"?>
+<p:sld xmlns:a="http://schemas.openxmlformats.org/drawingml/2006/main" xmlns:r="http://schemas.openxmlformats.org/officeDocument/2006/relationships" xmlns:p="http://schemas.openxmlformats.org/presentationml/2006/main">
+  <p:cSld>
+    <p:spTree>
+      <p:nvGrpSpPr>
+        <p:cNvPr id="1" name=""/>
+        <p:cNvGrpSpPr/>
+        <p:nvPr/>
+      </p:nvGrpSpPr>
+      <p:grpSpPr>
+        <a:xfrm>
+          <a:off x="0" y="0"/>
+          <a:ext cx="0" cy="0"/>
+          <a:chOff x="0" y="0"/>
+          <a:chExt cx="0" cy="0"/>
+        </a:xfrm>
+      </p:grpSpPr>
+      <p:sp>
+        <p:nvSpPr>
+          <p:cNvPr id="2" name="標題 1">
+            <a:extLst>
+              <a:ext uri="{FF2B5EF4-FFF2-40B4-BE49-F238E27FC236}">
+                <a16:creationId xmlns:a16="http://schemas.microsoft.com/office/drawing/2014/main" id="{87CF3BA8-553A-4577-8DC2-18C22D7E7642}"/>
+              </a:ext>
+            </a:extLst>
+          </p:cNvPr>
+          <p:cNvSpPr>
+            <a:spLocks noGrp="1"/>
+          </p:cNvSpPr>
+          <p:nvPr>
+            <p:ph type="title"/>
+          </p:nvPr>
+        </p:nvSpPr>
+        <p:spPr/>
+        <p:txBody>
+          <a:bodyPr/>
+          <a:lstStyle/>
+          <a:p>
+            <a:r>
+              <a:rPr lang="en-US" altLang="zh-TW" b="1" dirty="0"/>
+              <a:t>5. </a:t>
+            </a:r>
+            <a:r>
+              <a:rPr lang="zh-TW" altLang="en-US" b="1" dirty="0"/>
+              <a:t>意外</a:t>
+            </a:r>
+          </a:p>
+        </p:txBody>
+      </p:sp>
+      <p:pic>
+        <p:nvPicPr>
+          <p:cNvPr id="5" name="圖片 4">
+            <a:extLst>
+              <a:ext uri="{FF2B5EF4-FFF2-40B4-BE49-F238E27FC236}">
+                <a16:creationId xmlns:a16="http://schemas.microsoft.com/office/drawing/2014/main" id="{674AAA80-1A86-4ACA-A45D-218072F25A6F}"/>
+              </a:ext>
+            </a:extLst>
+          </p:cNvPr>
+          <p:cNvPicPr>
+            <a:picLocks noChangeAspect="1"/>
+          </p:cNvPicPr>
+          <p:nvPr/>
+        </p:nvPicPr>
+        <p:blipFill>
+          <a:blip r:embed="rId3">
+            <a:extLst>
+              <a:ext uri="{28A0092B-C50C-407E-A947-70E740481C1C}">
+                <a14:useLocalDpi xmlns:a14="http://schemas.microsoft.com/office/drawing/2010/main" val="0"/>
+              </a:ext>
+            </a:extLst>
+          </a:blip>
+          <a:stretch>
+            <a:fillRect/>
+          </a:stretch>
+        </p:blipFill>
+        <p:spPr>
+          <a:xfrm>
+            <a:off x="1556400" y="1690688"/>
+            <a:ext cx="4539600" cy="4539600"/>
+          </a:xfrm>
+          <a:prstGeom prst="rect">
+            <a:avLst/>
+          </a:prstGeom>
+        </p:spPr>
+      </p:pic>
+    </p:spTree>
+    <p:extLst>
+      <p:ext uri="{BB962C8B-B14F-4D97-AF65-F5344CB8AC3E}">
+        <p14:creationId xmlns:p14="http://schemas.microsoft.com/office/powerpoint/2010/main" val="4292965282"/>
+      </p:ext>
+    </p:extLst>
+  </p:cSld>
+  <p:clrMapOvr>
+    <a:masterClrMapping/>
+  </p:clrMapOvr>
+  <mc:AlternateContent xmlns:mc="http://schemas.openxmlformats.org/markup-compatibility/2006">
+    <mc:Choice xmlns:p159="http://schemas.microsoft.com/office/powerpoint/2015/09/main" Requires="p159">
+      <p:transition xmlns:p14="http://schemas.microsoft.com/office/powerpoint/2010/main" spd="slow" p14:dur="2000">
+        <p159:morph option="byObject"/>
+      </p:transition>
+    </mc:Choice>
+    <mc:Fallback>
+      <p:transition spd="slow">
+        <p:fade/>
+      </p:transition>
+    </mc:Fallback>
+  </mc:AlternateContent>
 </p:sld>
 </file>
 
 <file path=ppt/theme/theme1.xml><?xml version="1.0" encoding="utf-8"?>
+<a:theme xmlns:a="http://schemas.openxmlformats.org/drawingml/2006/main" name="Office 佈景主題">
+  <a:themeElements>
+    <a:clrScheme name="Office">
+      <a:dk1>
+        <a:sysClr val="windowText" lastClr="000000"/>
+      </a:dk1>
+      <a:lt1>
+        <a:sysClr val="window" lastClr="FFFFFF"/>
+      </a:lt1>
+      <a:dk2>
+        <a:srgbClr val="44546A"/>
+      </a:dk2>
+      <a:lt2>
+        <a:srgbClr val="E7E6E6"/>
+      </a:lt2>
+      <a:accent1>
+        <a:srgbClr val="4472C4"/>
+      </a:accent1>
+      <a:accent2>
+        <a:srgbClr val="ED7D31"/>
+      </a:accent2>
+      <a:accent3>
+        <a:srgbClr val="A5A5A5"/>
+      </a:accent3>
+      <a:accent4>
+        <a:srgbClr val="FFC000"/>
+      </a:accent4>
+      <a:accent5>
+        <a:srgbClr val="5B9BD5"/>
+      </a:accent5>
+      <a:accent6>
+        <a:srgbClr val="70AD47"/>
+      </a:accent6>
+      <a:hlink>
+        <a:srgbClr val="0563C1"/>
+      </a:hlink>
+      <a:folHlink>
+        <a:srgbClr val="954F72"/>
+      </a:folHlink>
+    </a:clrScheme>
+    <a:fontScheme name="自訂 2">
+      <a:majorFont>
+        <a:latin typeface="Times New Roman"/>
+        <a:ea typeface="微軟正黑體"/>
+        <a:cs typeface=""/>
+      </a:majorFont>
+      <a:minorFont>
+        <a:latin typeface="Times New Roman"/>
+        <a:ea typeface="微軟正黑體"/>
+        <a:cs typeface=""/>
+      </a:minorFont>
+    </a:fontScheme>
+    <a:fmtScheme name="Office">
+      <a:fillStyleLst>
+        <a:solidFill>
+          <a:schemeClr val="phClr"/>
+        </a:solidFill>
+        <a:gradFill rotWithShape="1">
+          <a:gsLst>
+            <a:gs pos="0">
+              <a:schemeClr val="phClr">
+                <a:lumMod val="110000"/>
+                <a:satMod val="105000"/>
+                <a:tint val="67000"/>
+              </a:schemeClr>
+            </a:gs>
+            <a:gs pos="50000">
+              <a:schemeClr val="phClr">
+                <a:lumMod val="105000"/>
+                <a:satMod val="103000"/>
+                <a:tint val="73000"/>
+              </a:schemeClr>
+            </a:gs>
+            <a:gs pos="100000">
+              <a:schemeClr val="phClr">
+                <a:lumMod val="105000"/>
+                <a:satMod val="109000"/>
+                <a:tint val="81000"/>
+              </a:schemeClr>
+            </a:gs>
+          </a:gsLst>
+          <a:lin ang="5400000" scaled="0"/>
+        </a:gradFill>
+        <a:gradFill rotWithShape="1">
+          <a:gsLst>
+            <a:gs pos="0">
+              <a:schemeClr val="phClr">
+                <a:satMod val="103000"/>
+                <a:lumMod val="102000"/>
+                <a:tint val="94000"/>
+              </a:schemeClr>
+            </a:gs>
+            <a:gs pos="50000">
+              <a:schemeClr val="phClr">
+                <a:satMod val="110000"/>
+                <a:lumMod val="100000"/>
+                <a:shade val="100000"/>
+              </a:schemeClr>
+            </a:gs>
+            <a:gs pos="100000">
+              <a:schemeClr val="phClr">
+                <a:lumMod val="99000"/>
+                <a:satMod val="120000"/>
+                <a:shade val="78000"/>
+              </a:schemeClr>
+            </a:gs>
+          </a:gsLst>
+          <a:lin ang="5400000" scaled="0"/>
+        </a:gradFill>
+      </a:fillStyleLst>
+      <a:lnStyleLst>
+        <a:ln w="6350" cap="flat" cmpd="sng" algn="ctr">
+          <a:solidFill>
+            <a:schemeClr val="phClr"/>
+          </a:solidFill>
+          <a:prstDash val="solid"/>
+          <a:miter lim="800000"/>
+        </a:ln>
+        <a:ln w="12700" cap="flat" cmpd="sng" algn="ctr">
+          <a:solidFill>
+            <a:schemeClr val="phClr"/>
+          </a:solidFill>
+          <a:prstDash val="solid"/>
+          <a:miter lim="800000"/>
+        </a:ln>
+        <a:ln w="19050" cap="flat" cmpd="sng" algn="ctr">
+          <a:solidFill>
+            <a:schemeClr val="phClr"/>
+          </a:solidFill>
+          <a:prstDash val="solid"/>
+          <a:miter lim="800000"/>
+        </a:ln>
+      </a:lnStyleLst>
+      <a:effectStyleLst>
+        <a:effectStyle>
+          <a:effectLst/>
+        </a:effectStyle>
+        <a:effectStyle>
+          <a:effectLst/>
+        </a:effectStyle>
+        <a:effectStyle>
+          <a:effectLst>
+            <a:outerShdw blurRad="57150" dist="19050" dir="5400000" algn="ctr" rotWithShape="0">
+              <a:srgbClr val="000000">
+                <a:alpha val="63000"/>
+              </a:srgbClr>
+            </a:outerShdw>
+          </a:effectLst>
+        </a:effectStyle>
+      </a:effectStyleLst>
+      <a:bgFillStyleLst>
+        <a:solidFill>
+          <a:schemeClr val="phClr"/>
+        </a:solidFill>
+        <a:solidFill>
+          <a:schemeClr val="phClr">
+            <a:tint val="95000"/>
+            <a:satMod val="170000"/>
+          </a:schemeClr>
+        </a:solidFill>
+        <a:gradFill rotWithShape="1">
+          <a:gsLst>
+            <a:gs pos="0">
+              <a:schemeClr val="phClr">
+                <a:tint val="93000"/>
+                <a:satMod val="150000"/>
+                <a:shade val="98000"/>
+                <a:lumMod val="102000"/>
+              </a:schemeClr>
+            </a:gs>
+            <a:gs pos="50000">
+              <a:schemeClr val="phClr">
+                <a:tint val="98000"/>
+                <a:satMod val="130000"/>
+                <a:shade val="90000"/>
+                <a:lumMod val="103000"/>
+              </a:schemeClr>
+            </a:gs>
+            <a:gs pos="100000">
+              <a:schemeClr val="phClr">
+                <a:shade val="63000"/>
+                <a:satMod val="120000"/>
+              </a:schemeClr>
+            </a:gs>
+          </a:gsLst>
+          <a:lin ang="5400000" scaled="0"/>
+        </a:gradFill>
+      </a:bgFillStyleLst>
+    </a:fmtScheme>
+  </a:themeElements>
+  <a:objectDefaults/>
+  <a:extraClrSchemeLst/>
+  <a:extLst>
+    <a:ext uri="{05A4C25C-085E-4340-85A3-A5531E510DB2}">
+      <thm15:themeFamily xmlns:thm15="http://schemas.microsoft.com/office/thememl/2012/main" name="Office Theme" id="{62F939B6-93AF-4DB8-9C6B-D6C7DFDC589F}" vid="{4A3C46E8-61CC-4603-A589-7422A47A8E4A}"/>
+    </a:ext>
+  </a:extLst>
+</a:theme>
+</file>
+
+<file path=ppt/theme/theme2.xml><?xml version="1.0" encoding="utf-8"?>
 <a:theme xmlns:a="http://schemas.openxmlformats.org/drawingml/2006/main" name="Office 佈景主題">
   <a:themeElements>
     <a:clrScheme name="Office">
